--- a/REST.pptx
+++ b/REST.pptx
@@ -6,15 +6,24 @@
     <p:sldMasterId id="2147483663" r:id="rId8"/>
   </p:sldMasterIdLst>
   <p:notesMasterIdLst>
-    <p:notesMasterId r:id="rId15"/>
+    <p:notesMasterId r:id="rId24"/>
   </p:notesMasterIdLst>
   <p:sldIdLst>
     <p:sldId id="475" r:id="rId9"/>
     <p:sldId id="355" r:id="rId10"/>
-    <p:sldId id="466" r:id="rId11"/>
-    <p:sldId id="423" r:id="rId12"/>
-    <p:sldId id="424" r:id="rId13"/>
-    <p:sldId id="476" r:id="rId14"/>
+    <p:sldId id="477" r:id="rId11"/>
+    <p:sldId id="466" r:id="rId12"/>
+    <p:sldId id="423" r:id="rId13"/>
+    <p:sldId id="478" r:id="rId14"/>
+    <p:sldId id="424" r:id="rId15"/>
+    <p:sldId id="482" r:id="rId16"/>
+    <p:sldId id="476" r:id="rId17"/>
+    <p:sldId id="479" r:id="rId18"/>
+    <p:sldId id="485" r:id="rId19"/>
+    <p:sldId id="481" r:id="rId20"/>
+    <p:sldId id="480" r:id="rId21"/>
+    <p:sldId id="483" r:id="rId22"/>
+    <p:sldId id="484" r:id="rId23"/>
   </p:sldIdLst>
   <p:sldSz cx="9144000" cy="6858000" type="screen4x3"/>
   <p:notesSz cx="6858000" cy="9144000"/>
@@ -270,7 +279,7 @@
             <a:fld id="{E452AB20-22D9-4447-81AC-92CB7A4DD83D}" type="datetimeFigureOut">
               <a:rPr lang="en-US"/>
               <a:pPr/>
-              <a:t>8/24/2013</a:t>
+              <a:t>8/26/2013</a:t>
             </a:fld>
             <a:endParaRPr lang="en-US" dirty="0"/>
           </a:p>
@@ -716,10 +725,12 @@
         </p:nvSpPr>
         <p:spPr/>
         <p:txBody>
-          <a:bodyPr/>
+          <a:bodyPr>
+            <a:normAutofit/>
+          </a:bodyPr>
           <a:lstStyle/>
           <a:p>
-            <a:endParaRPr lang="en-US"/>
+            <a:endParaRPr lang="en-US" dirty="0"/>
           </a:p>
         </p:txBody>
       </p:sp>
@@ -741,7 +752,92 @@
             <a:fld id="{E11CC376-FCE3-43E6-9084-A06F48DD94F9}" type="slidenum">
               <a:rPr lang="en-US" smtClean="0"/>
               <a:pPr/>
-              <a:t>4</a:t>
+              <a:t>3</a:t>
+            </a:fld>
+            <a:endParaRPr lang="en-US" dirty="0"/>
+          </a:p>
+        </p:txBody>
+      </p:sp>
+    </p:spTree>
+    <p:extLst>
+      <p:ext uri="{BB962C8B-B14F-4D97-AF65-F5344CB8AC3E}">
+        <p14:creationId xmlns:p14="http://schemas.microsoft.com/office/powerpoint/2010/main" val="2784479458"/>
+      </p:ext>
+    </p:extLst>
+  </p:cSld>
+  <p:clrMapOvr>
+    <a:masterClrMapping/>
+  </p:clrMapOvr>
+</p:notes>
+</file>
+
+<file path=ppt/notesSlides/notesSlide3.xml><?xml version="1.0" encoding="utf-8"?>
+<p:notes xmlns:a="http://schemas.openxmlformats.org/drawingml/2006/main" xmlns:r="http://schemas.openxmlformats.org/officeDocument/2006/relationships" xmlns:p="http://schemas.openxmlformats.org/presentationml/2006/main">
+  <p:cSld>
+    <p:spTree>
+      <p:nvGrpSpPr>
+        <p:cNvPr id="1" name=""/>
+        <p:cNvGrpSpPr/>
+        <p:nvPr/>
+      </p:nvGrpSpPr>
+      <p:grpSpPr>
+        <a:xfrm>
+          <a:off x="0" y="0"/>
+          <a:ext cx="0" cy="0"/>
+          <a:chOff x="0" y="0"/>
+          <a:chExt cx="0" cy="0"/>
+        </a:xfrm>
+      </p:grpSpPr>
+      <p:sp>
+        <p:nvSpPr>
+          <p:cNvPr id="2" name="Slide Image Placeholder 1"/>
+          <p:cNvSpPr>
+            <a:spLocks noGrp="1" noRot="1" noChangeAspect="1"/>
+          </p:cNvSpPr>
+          <p:nvPr>
+            <p:ph type="sldImg"/>
+          </p:nvPr>
+        </p:nvSpPr>
+        <p:spPr/>
+      </p:sp>
+      <p:sp>
+        <p:nvSpPr>
+          <p:cNvPr id="3" name="Notes Placeholder 2"/>
+          <p:cNvSpPr>
+            <a:spLocks noGrp="1"/>
+          </p:cNvSpPr>
+          <p:nvPr>
+            <p:ph type="body" idx="1"/>
+          </p:nvPr>
+        </p:nvSpPr>
+        <p:spPr/>
+        <p:txBody>
+          <a:bodyPr/>
+          <a:lstStyle/>
+          <a:p>
+            <a:endParaRPr lang="en-US"/>
+          </a:p>
+        </p:txBody>
+      </p:sp>
+      <p:sp>
+        <p:nvSpPr>
+          <p:cNvPr id="4" name="Slide Number Placeholder 3"/>
+          <p:cNvSpPr>
+            <a:spLocks noGrp="1"/>
+          </p:cNvSpPr>
+          <p:nvPr>
+            <p:ph type="sldNum" sz="quarter" idx="10"/>
+          </p:nvPr>
+        </p:nvSpPr>
+        <p:spPr/>
+        <p:txBody>
+          <a:bodyPr/>
+          <a:lstStyle/>
+          <a:p>
+            <a:fld id="{E11CC376-FCE3-43E6-9084-A06F48DD94F9}" type="slidenum">
+              <a:rPr lang="en-US" smtClean="0"/>
+              <a:pPr/>
+              <a:t>5</a:t>
             </a:fld>
             <a:endParaRPr lang="en-US" dirty="0"/>
           </a:p>
@@ -751,6 +847,176 @@
     <p:extLst>
       <p:ext uri="{BB962C8B-B14F-4D97-AF65-F5344CB8AC3E}">
         <p14:creationId xmlns:p14="http://schemas.microsoft.com/office/powerpoint/2010/main" val="2109952840"/>
+      </p:ext>
+    </p:extLst>
+  </p:cSld>
+  <p:clrMapOvr>
+    <a:masterClrMapping/>
+  </p:clrMapOvr>
+</p:notes>
+</file>
+
+<file path=ppt/notesSlides/notesSlide4.xml><?xml version="1.0" encoding="utf-8"?>
+<p:notes xmlns:a="http://schemas.openxmlformats.org/drawingml/2006/main" xmlns:r="http://schemas.openxmlformats.org/officeDocument/2006/relationships" xmlns:p="http://schemas.openxmlformats.org/presentationml/2006/main">
+  <p:cSld>
+    <p:spTree>
+      <p:nvGrpSpPr>
+        <p:cNvPr id="1" name=""/>
+        <p:cNvGrpSpPr/>
+        <p:nvPr/>
+      </p:nvGrpSpPr>
+      <p:grpSpPr>
+        <a:xfrm>
+          <a:off x="0" y="0"/>
+          <a:ext cx="0" cy="0"/>
+          <a:chOff x="0" y="0"/>
+          <a:chExt cx="0" cy="0"/>
+        </a:xfrm>
+      </p:grpSpPr>
+      <p:sp>
+        <p:nvSpPr>
+          <p:cNvPr id="2" name="Slide Image Placeholder 1"/>
+          <p:cNvSpPr>
+            <a:spLocks noGrp="1" noRot="1" noChangeAspect="1"/>
+          </p:cNvSpPr>
+          <p:nvPr>
+            <p:ph type="sldImg"/>
+          </p:nvPr>
+        </p:nvSpPr>
+        <p:spPr/>
+      </p:sp>
+      <p:sp>
+        <p:nvSpPr>
+          <p:cNvPr id="3" name="Notes Placeholder 2"/>
+          <p:cNvSpPr>
+            <a:spLocks noGrp="1"/>
+          </p:cNvSpPr>
+          <p:nvPr>
+            <p:ph type="body" idx="1"/>
+          </p:nvPr>
+        </p:nvSpPr>
+        <p:spPr/>
+        <p:txBody>
+          <a:bodyPr/>
+          <a:lstStyle/>
+          <a:p>
+            <a:endParaRPr lang="en-US"/>
+          </a:p>
+        </p:txBody>
+      </p:sp>
+      <p:sp>
+        <p:nvSpPr>
+          <p:cNvPr id="4" name="Slide Number Placeholder 3"/>
+          <p:cNvSpPr>
+            <a:spLocks noGrp="1"/>
+          </p:cNvSpPr>
+          <p:nvPr>
+            <p:ph type="sldNum" sz="quarter" idx="10"/>
+          </p:nvPr>
+        </p:nvSpPr>
+        <p:spPr/>
+        <p:txBody>
+          <a:bodyPr/>
+          <a:lstStyle/>
+          <a:p>
+            <a:fld id="{E11CC376-FCE3-43E6-9084-A06F48DD94F9}" type="slidenum">
+              <a:rPr lang="en-US" smtClean="0"/>
+              <a:pPr/>
+              <a:t>6</a:t>
+            </a:fld>
+            <a:endParaRPr lang="en-US" dirty="0"/>
+          </a:p>
+        </p:txBody>
+      </p:sp>
+    </p:spTree>
+    <p:extLst>
+      <p:ext uri="{BB962C8B-B14F-4D97-AF65-F5344CB8AC3E}">
+        <p14:creationId xmlns:p14="http://schemas.microsoft.com/office/powerpoint/2010/main" val="636802611"/>
+      </p:ext>
+    </p:extLst>
+  </p:cSld>
+  <p:clrMapOvr>
+    <a:masterClrMapping/>
+  </p:clrMapOvr>
+</p:notes>
+</file>
+
+<file path=ppt/notesSlides/notesSlide5.xml><?xml version="1.0" encoding="utf-8"?>
+<p:notes xmlns:a="http://schemas.openxmlformats.org/drawingml/2006/main" xmlns:r="http://schemas.openxmlformats.org/officeDocument/2006/relationships" xmlns:p="http://schemas.openxmlformats.org/presentationml/2006/main">
+  <p:cSld>
+    <p:spTree>
+      <p:nvGrpSpPr>
+        <p:cNvPr id="1" name=""/>
+        <p:cNvGrpSpPr/>
+        <p:nvPr/>
+      </p:nvGrpSpPr>
+      <p:grpSpPr>
+        <a:xfrm>
+          <a:off x="0" y="0"/>
+          <a:ext cx="0" cy="0"/>
+          <a:chOff x="0" y="0"/>
+          <a:chExt cx="0" cy="0"/>
+        </a:xfrm>
+      </p:grpSpPr>
+      <p:sp>
+        <p:nvSpPr>
+          <p:cNvPr id="2" name="Slide Image Placeholder 1"/>
+          <p:cNvSpPr>
+            <a:spLocks noGrp="1" noRot="1" noChangeAspect="1"/>
+          </p:cNvSpPr>
+          <p:nvPr>
+            <p:ph type="sldImg"/>
+          </p:nvPr>
+        </p:nvSpPr>
+        <p:spPr/>
+      </p:sp>
+      <p:sp>
+        <p:nvSpPr>
+          <p:cNvPr id="3" name="Notes Placeholder 2"/>
+          <p:cNvSpPr>
+            <a:spLocks noGrp="1"/>
+          </p:cNvSpPr>
+          <p:nvPr>
+            <p:ph type="body" idx="1"/>
+          </p:nvPr>
+        </p:nvSpPr>
+        <p:spPr/>
+        <p:txBody>
+          <a:bodyPr/>
+          <a:lstStyle/>
+          <a:p>
+            <a:endParaRPr lang="en-US" dirty="0"/>
+          </a:p>
+        </p:txBody>
+      </p:sp>
+      <p:sp>
+        <p:nvSpPr>
+          <p:cNvPr id="4" name="Slide Number Placeholder 3"/>
+          <p:cNvSpPr>
+            <a:spLocks noGrp="1"/>
+          </p:cNvSpPr>
+          <p:nvPr>
+            <p:ph type="sldNum" sz="quarter" idx="10"/>
+          </p:nvPr>
+        </p:nvSpPr>
+        <p:spPr/>
+        <p:txBody>
+          <a:bodyPr/>
+          <a:lstStyle/>
+          <a:p>
+            <a:fld id="{E11CC376-FCE3-43E6-9084-A06F48DD94F9}" type="slidenum">
+              <a:rPr lang="en-US" smtClean="0"/>
+              <a:pPr/>
+              <a:t>15</a:t>
+            </a:fld>
+            <a:endParaRPr lang="en-US" dirty="0"/>
+          </a:p>
+        </p:txBody>
+      </p:sp>
+    </p:spTree>
+    <p:extLst>
+      <p:ext uri="{BB962C8B-B14F-4D97-AF65-F5344CB8AC3E}">
+        <p14:creationId xmlns:p14="http://schemas.microsoft.com/office/powerpoint/2010/main" val="1948957299"/>
       </p:ext>
     </p:extLst>
   </p:cSld>
@@ -5430,6 +5696,1367 @@
 </p:sld>
 </file>
 
+<file path=ppt/slides/slide10.xml><?xml version="1.0" encoding="utf-8"?>
+<p:sld xmlns:a="http://schemas.openxmlformats.org/drawingml/2006/main" xmlns:r="http://schemas.openxmlformats.org/officeDocument/2006/relationships" xmlns:p="http://schemas.openxmlformats.org/presentationml/2006/main">
+  <p:cSld>
+    <p:spTree>
+      <p:nvGrpSpPr>
+        <p:cNvPr id="1" name=""/>
+        <p:cNvGrpSpPr/>
+        <p:nvPr/>
+      </p:nvGrpSpPr>
+      <p:grpSpPr>
+        <a:xfrm>
+          <a:off x="0" y="0"/>
+          <a:ext cx="0" cy="0"/>
+          <a:chOff x="0" y="0"/>
+          <a:chExt cx="0" cy="0"/>
+        </a:xfrm>
+      </p:grpSpPr>
+      <p:sp>
+        <p:nvSpPr>
+          <p:cNvPr id="2" name="Title 1"/>
+          <p:cNvSpPr>
+            <a:spLocks noGrp="1"/>
+          </p:cNvSpPr>
+          <p:nvPr>
+            <p:ph type="title"/>
+          </p:nvPr>
+        </p:nvSpPr>
+        <p:spPr/>
+        <p:txBody>
+          <a:bodyPr/>
+          <a:lstStyle/>
+          <a:p>
+            <a:r>
+              <a:rPr lang="en-US" dirty="0" smtClean="0"/>
+              <a:t>Richardson Maturity Model</a:t>
+            </a:r>
+            <a:endParaRPr lang="en-US" dirty="0"/>
+          </a:p>
+        </p:txBody>
+      </p:sp>
+      <p:pic>
+        <p:nvPicPr>
+          <p:cNvPr id="1026" name="Picture 2" descr="Figure 1"/>
+          <p:cNvPicPr>
+            <a:picLocks noChangeAspect="1" noChangeArrowheads="1"/>
+          </p:cNvPicPr>
+          <p:nvPr/>
+        </p:nvPicPr>
+        <p:blipFill>
+          <a:blip r:embed="rId2">
+            <a:extLst>
+              <a:ext uri="{28A0092B-C50C-407E-A947-70E740481C1C}">
+                <a14:useLocalDpi xmlns:a14="http://schemas.microsoft.com/office/drawing/2010/main" val="0"/>
+              </a:ext>
+            </a:extLst>
+          </a:blip>
+          <a:srcRect/>
+          <a:stretch>
+            <a:fillRect/>
+          </a:stretch>
+        </p:blipFill>
+        <p:spPr bwMode="auto">
+          <a:xfrm>
+            <a:off x="1143000" y="1676400"/>
+            <a:ext cx="6410325" cy="3790950"/>
+          </a:xfrm>
+          <a:prstGeom prst="rect">
+            <a:avLst/>
+          </a:prstGeom>
+          <a:noFill/>
+          <a:extLst>
+            <a:ext uri="{909E8E84-426E-40DD-AFC4-6F175D3DCCD1}">
+              <a14:hiddenFill xmlns:a14="http://schemas.microsoft.com/office/drawing/2010/main">
+                <a:solidFill>
+                  <a:srgbClr val="FFFFFF"/>
+                </a:solidFill>
+              </a14:hiddenFill>
+            </a:ext>
+          </a:extLst>
+        </p:spPr>
+      </p:pic>
+      <p:sp>
+        <p:nvSpPr>
+          <p:cNvPr id="5" name="Rectangle 4"/>
+          <p:cNvSpPr/>
+          <p:nvPr/>
+        </p:nvSpPr>
+        <p:spPr>
+          <a:xfrm>
+            <a:off x="304800" y="6348649"/>
+            <a:ext cx="4572000" cy="261610"/>
+          </a:xfrm>
+          <a:prstGeom prst="rect">
+            <a:avLst/>
+          </a:prstGeom>
+        </p:spPr>
+        <p:txBody>
+          <a:bodyPr>
+            <a:spAutoFit/>
+          </a:bodyPr>
+          <a:lstStyle/>
+          <a:p>
+            <a:r>
+              <a:rPr lang="en-US" sz="1050" dirty="0">
+                <a:hlinkClick r:id="rId3"/>
+              </a:rPr>
+              <a:t>http://martinfowler.com/articles/richardsonMaturityModel.html</a:t>
+            </a:r>
+            <a:endParaRPr lang="en-US" sz="1050" dirty="0"/>
+          </a:p>
+        </p:txBody>
+      </p:sp>
+    </p:spTree>
+    <p:extLst>
+      <p:ext uri="{BB962C8B-B14F-4D97-AF65-F5344CB8AC3E}">
+        <p14:creationId xmlns:p14="http://schemas.microsoft.com/office/powerpoint/2010/main" val="388061919"/>
+      </p:ext>
+    </p:extLst>
+  </p:cSld>
+  <p:clrMapOvr>
+    <a:masterClrMapping/>
+  </p:clrMapOvr>
+  <p:transition/>
+  <p:timing>
+    <p:tnLst>
+      <p:par>
+        <p:cTn id="1" dur="indefinite" restart="never" nodeType="tmRoot"/>
+      </p:par>
+    </p:tnLst>
+  </p:timing>
+</p:sld>
+</file>
+
+<file path=ppt/slides/slide11.xml><?xml version="1.0" encoding="utf-8"?>
+<p:sld xmlns:a="http://schemas.openxmlformats.org/drawingml/2006/main" xmlns:r="http://schemas.openxmlformats.org/officeDocument/2006/relationships" xmlns:p="http://schemas.openxmlformats.org/presentationml/2006/main">
+  <p:cSld>
+    <p:spTree>
+      <p:nvGrpSpPr>
+        <p:cNvPr id="1" name=""/>
+        <p:cNvGrpSpPr/>
+        <p:nvPr/>
+      </p:nvGrpSpPr>
+      <p:grpSpPr>
+        <a:xfrm>
+          <a:off x="0" y="0"/>
+          <a:ext cx="0" cy="0"/>
+          <a:chOff x="0" y="0"/>
+          <a:chExt cx="0" cy="0"/>
+        </a:xfrm>
+      </p:grpSpPr>
+      <p:sp>
+        <p:nvSpPr>
+          <p:cNvPr id="2" name="Title 1"/>
+          <p:cNvSpPr>
+            <a:spLocks noGrp="1"/>
+          </p:cNvSpPr>
+          <p:nvPr>
+            <p:ph type="title"/>
+          </p:nvPr>
+        </p:nvSpPr>
+        <p:spPr/>
+        <p:txBody>
+          <a:bodyPr/>
+          <a:lstStyle/>
+          <a:p>
+            <a:r>
+              <a:rPr lang="en-US" dirty="0"/>
+              <a:t>HATEOAS</a:t>
+            </a:r>
+          </a:p>
+        </p:txBody>
+      </p:sp>
+      <p:sp>
+        <p:nvSpPr>
+          <p:cNvPr id="3" name="Text Placeholder 2"/>
+          <p:cNvSpPr>
+            <a:spLocks noGrp="1"/>
+          </p:cNvSpPr>
+          <p:nvPr>
+            <p:ph type="body" idx="1"/>
+          </p:nvPr>
+        </p:nvSpPr>
+        <p:spPr/>
+        <p:txBody>
+          <a:bodyPr/>
+          <a:lstStyle/>
+          <a:p>
+            <a:pPr>
+              <a:buFont typeface="Arial" panose="020B0604020202020204" pitchFamily="34" charset="0"/>
+              <a:buChar char="•"/>
+            </a:pPr>
+            <a:r>
+              <a:rPr lang="en-US" b="0" u="sng" dirty="0">
+                <a:solidFill>
+                  <a:srgbClr val="31668B"/>
+                </a:solidFill>
+                <a:latin typeface="Calibri" panose="020F0502020204030204" pitchFamily="34" charset="0"/>
+              </a:rPr>
+              <a:t>H</a:t>
+            </a:r>
+            <a:r>
+              <a:rPr lang="en-US" b="0" dirty="0">
+                <a:solidFill>
+                  <a:srgbClr val="31668B"/>
+                </a:solidFill>
+                <a:latin typeface="Calibri" panose="020F0502020204030204" pitchFamily="34" charset="0"/>
+              </a:rPr>
+              <a:t>ypermedia </a:t>
+            </a:r>
+            <a:r>
+              <a:rPr lang="en-US" b="0" u="sng" dirty="0">
+                <a:solidFill>
+                  <a:srgbClr val="31668B"/>
+                </a:solidFill>
+                <a:latin typeface="Calibri" panose="020F0502020204030204" pitchFamily="34" charset="0"/>
+              </a:rPr>
+              <a:t>a</a:t>
+            </a:r>
+            <a:r>
+              <a:rPr lang="en-US" b="0" dirty="0">
+                <a:solidFill>
+                  <a:srgbClr val="31668B"/>
+                </a:solidFill>
+                <a:latin typeface="Calibri" panose="020F0502020204030204" pitchFamily="34" charset="0"/>
+              </a:rPr>
+              <a:t>s </a:t>
+            </a:r>
+            <a:r>
+              <a:rPr lang="en-US" b="0" u="sng" dirty="0">
+                <a:solidFill>
+                  <a:srgbClr val="31668B"/>
+                </a:solidFill>
+                <a:latin typeface="Calibri" panose="020F0502020204030204" pitchFamily="34" charset="0"/>
+              </a:rPr>
+              <a:t>t</a:t>
+            </a:r>
+            <a:r>
+              <a:rPr lang="en-US" b="0" dirty="0">
+                <a:solidFill>
+                  <a:srgbClr val="31668B"/>
+                </a:solidFill>
+                <a:latin typeface="Calibri" panose="020F0502020204030204" pitchFamily="34" charset="0"/>
+              </a:rPr>
+              <a:t>he </a:t>
+            </a:r>
+            <a:r>
+              <a:rPr lang="en-US" b="0" u="sng" dirty="0">
+                <a:solidFill>
+                  <a:srgbClr val="31668B"/>
+                </a:solidFill>
+                <a:latin typeface="Calibri" panose="020F0502020204030204" pitchFamily="34" charset="0"/>
+              </a:rPr>
+              <a:t>E</a:t>
+            </a:r>
+            <a:r>
+              <a:rPr lang="en-US" b="0" dirty="0">
+                <a:solidFill>
+                  <a:srgbClr val="31668B"/>
+                </a:solidFill>
+                <a:latin typeface="Calibri" panose="020F0502020204030204" pitchFamily="34" charset="0"/>
+              </a:rPr>
+              <a:t>ngine </a:t>
+            </a:r>
+            <a:r>
+              <a:rPr lang="en-US" b="0" u="sng" dirty="0">
+                <a:solidFill>
+                  <a:srgbClr val="31668B"/>
+                </a:solidFill>
+                <a:latin typeface="Calibri" panose="020F0502020204030204" pitchFamily="34" charset="0"/>
+              </a:rPr>
+              <a:t>o</a:t>
+            </a:r>
+            <a:r>
+              <a:rPr lang="en-US" b="0" dirty="0">
+                <a:solidFill>
+                  <a:srgbClr val="31668B"/>
+                </a:solidFill>
+                <a:latin typeface="Calibri" panose="020F0502020204030204" pitchFamily="34" charset="0"/>
+              </a:rPr>
+              <a:t>f </a:t>
+            </a:r>
+            <a:r>
+              <a:rPr lang="en-US" b="0" u="sng" dirty="0">
+                <a:solidFill>
+                  <a:srgbClr val="31668B"/>
+                </a:solidFill>
+                <a:latin typeface="Calibri" panose="020F0502020204030204" pitchFamily="34" charset="0"/>
+              </a:rPr>
+              <a:t>A</a:t>
+            </a:r>
+            <a:r>
+              <a:rPr lang="en-US" b="0" dirty="0">
+                <a:solidFill>
+                  <a:srgbClr val="31668B"/>
+                </a:solidFill>
+                <a:latin typeface="Calibri" panose="020F0502020204030204" pitchFamily="34" charset="0"/>
+              </a:rPr>
+              <a:t>pplication </a:t>
+            </a:r>
+            <a:r>
+              <a:rPr lang="en-US" b="0" u="sng" dirty="0">
+                <a:solidFill>
+                  <a:srgbClr val="31668B"/>
+                </a:solidFill>
+                <a:latin typeface="Calibri" panose="020F0502020204030204" pitchFamily="34" charset="0"/>
+              </a:rPr>
+              <a:t>S</a:t>
+            </a:r>
+            <a:r>
+              <a:rPr lang="en-US" b="0" dirty="0">
+                <a:solidFill>
+                  <a:srgbClr val="31668B"/>
+                </a:solidFill>
+                <a:latin typeface="Calibri" panose="020F0502020204030204" pitchFamily="34" charset="0"/>
+              </a:rPr>
+              <a:t>tate</a:t>
+            </a:r>
+          </a:p>
+          <a:p>
+            <a:pPr>
+              <a:buFont typeface="Arial" panose="020B0604020202020204" pitchFamily="34" charset="0"/>
+              <a:buChar char="•"/>
+            </a:pPr>
+            <a:r>
+              <a:rPr lang="en-US" b="0" dirty="0">
+                <a:solidFill>
+                  <a:srgbClr val="31668B"/>
+                </a:solidFill>
+                <a:latin typeface="Calibri" panose="020F0502020204030204" pitchFamily="34" charset="0"/>
+              </a:rPr>
+              <a:t>Constraint of the REST application architecture</a:t>
+            </a:r>
+          </a:p>
+          <a:p>
+            <a:pPr>
+              <a:buFont typeface="Arial" panose="020B0604020202020204" pitchFamily="34" charset="0"/>
+              <a:buChar char="•"/>
+            </a:pPr>
+            <a:r>
+              <a:rPr lang="en-US" b="0" dirty="0">
+                <a:solidFill>
+                  <a:srgbClr val="31668B"/>
+                </a:solidFill>
+                <a:latin typeface="Calibri" panose="020F0502020204030204" pitchFamily="34" charset="0"/>
+              </a:rPr>
+              <a:t>Client interacts with a network application entirely through hypermedia provided dynamically by application servers</a:t>
+            </a:r>
+          </a:p>
+        </p:txBody>
+      </p:sp>
+    </p:spTree>
+    <p:extLst>
+      <p:ext uri="{BB962C8B-B14F-4D97-AF65-F5344CB8AC3E}">
+        <p14:creationId xmlns:p14="http://schemas.microsoft.com/office/powerpoint/2010/main" val="243036338"/>
+      </p:ext>
+    </p:extLst>
+  </p:cSld>
+  <p:clrMapOvr>
+    <a:masterClrMapping/>
+  </p:clrMapOvr>
+  <p:transition/>
+  <p:timing>
+    <p:tnLst>
+      <p:par>
+        <p:cTn id="1" dur="indefinite" restart="never" nodeType="tmRoot"/>
+      </p:par>
+    </p:tnLst>
+  </p:timing>
+</p:sld>
+</file>
+
+<file path=ppt/slides/slide12.xml><?xml version="1.0" encoding="utf-8"?>
+<p:sld xmlns:a="http://schemas.openxmlformats.org/drawingml/2006/main" xmlns:r="http://schemas.openxmlformats.org/officeDocument/2006/relationships" xmlns:p="http://schemas.openxmlformats.org/presentationml/2006/main">
+  <p:cSld>
+    <p:spTree>
+      <p:nvGrpSpPr>
+        <p:cNvPr id="1" name=""/>
+        <p:cNvGrpSpPr/>
+        <p:nvPr/>
+      </p:nvGrpSpPr>
+      <p:grpSpPr>
+        <a:xfrm>
+          <a:off x="0" y="0"/>
+          <a:ext cx="0" cy="0"/>
+          <a:chOff x="0" y="0"/>
+          <a:chExt cx="0" cy="0"/>
+        </a:xfrm>
+      </p:grpSpPr>
+      <p:sp>
+        <p:nvSpPr>
+          <p:cNvPr id="2" name="Title 1"/>
+          <p:cNvSpPr>
+            <a:spLocks noGrp="1"/>
+          </p:cNvSpPr>
+          <p:nvPr>
+            <p:ph type="title"/>
+          </p:nvPr>
+        </p:nvSpPr>
+        <p:spPr/>
+        <p:txBody>
+          <a:bodyPr/>
+          <a:lstStyle/>
+          <a:p>
+            <a:r>
+              <a:rPr lang="en-US" dirty="0" smtClean="0"/>
+              <a:t>REST and Hypermedia Example</a:t>
+            </a:r>
+            <a:endParaRPr lang="en-US" dirty="0"/>
+          </a:p>
+        </p:txBody>
+      </p:sp>
+      <p:pic>
+        <p:nvPicPr>
+          <p:cNvPr id="4" name="Picture 3"/>
+          <p:cNvPicPr>
+            <a:picLocks noChangeAspect="1"/>
+          </p:cNvPicPr>
+          <p:nvPr/>
+        </p:nvPicPr>
+        <p:blipFill>
+          <a:blip r:embed="rId2"/>
+          <a:stretch>
+            <a:fillRect/>
+          </a:stretch>
+        </p:blipFill>
+        <p:spPr>
+          <a:xfrm>
+            <a:off x="0" y="1219200"/>
+            <a:ext cx="3905250" cy="1591446"/>
+          </a:xfrm>
+          <a:prstGeom prst="rect">
+            <a:avLst/>
+          </a:prstGeom>
+          <a:ln>
+            <a:solidFill>
+              <a:schemeClr val="accent1"/>
+            </a:solidFill>
+          </a:ln>
+        </p:spPr>
+      </p:pic>
+      <p:cxnSp>
+        <p:nvCxnSpPr>
+          <p:cNvPr id="6" name="Straight Arrow Connector 5"/>
+          <p:cNvCxnSpPr/>
+          <p:nvPr/>
+        </p:nvCxnSpPr>
+        <p:spPr bwMode="auto">
+          <a:xfrm flipH="1">
+            <a:off x="3657600" y="1600200"/>
+            <a:ext cx="533400" cy="457200"/>
+          </a:xfrm>
+          <a:prstGeom prst="straightConnector1">
+            <a:avLst/>
+          </a:prstGeom>
+          <a:noFill/>
+          <a:ln w="9525" cap="flat" cmpd="sng" algn="ctr">
+            <a:solidFill>
+              <a:srgbClr val="FF0000"/>
+            </a:solidFill>
+            <a:prstDash val="solid"/>
+            <a:round/>
+            <a:headEnd type="none" w="med" len="med"/>
+            <a:tailEnd type="triangle"/>
+          </a:ln>
+          <a:effectLst/>
+        </p:spPr>
+      </p:cxnSp>
+      <p:pic>
+        <p:nvPicPr>
+          <p:cNvPr id="7" name="Picture 6"/>
+          <p:cNvPicPr>
+            <a:picLocks noChangeAspect="1"/>
+          </p:cNvPicPr>
+          <p:nvPr/>
+        </p:nvPicPr>
+        <p:blipFill>
+          <a:blip r:embed="rId3"/>
+          <a:stretch>
+            <a:fillRect/>
+          </a:stretch>
+        </p:blipFill>
+        <p:spPr>
+          <a:xfrm>
+            <a:off x="914400" y="2170327"/>
+            <a:ext cx="4215842" cy="753246"/>
+          </a:xfrm>
+          <a:prstGeom prst="rect">
+            <a:avLst/>
+          </a:prstGeom>
+          <a:ln>
+            <a:solidFill>
+              <a:schemeClr val="accent1"/>
+            </a:solidFill>
+          </a:ln>
+        </p:spPr>
+      </p:pic>
+      <p:pic>
+        <p:nvPicPr>
+          <p:cNvPr id="8" name="Picture 7"/>
+          <p:cNvPicPr>
+            <a:picLocks noChangeAspect="1"/>
+          </p:cNvPicPr>
+          <p:nvPr/>
+        </p:nvPicPr>
+        <p:blipFill>
+          <a:blip r:embed="rId4"/>
+          <a:stretch>
+            <a:fillRect/>
+          </a:stretch>
+        </p:blipFill>
+        <p:spPr>
+          <a:xfrm>
+            <a:off x="3889092" y="2851150"/>
+            <a:ext cx="2482299" cy="1063022"/>
+          </a:xfrm>
+          <a:prstGeom prst="rect">
+            <a:avLst/>
+          </a:prstGeom>
+          <a:ln>
+            <a:solidFill>
+              <a:schemeClr val="accent1"/>
+            </a:solidFill>
+          </a:ln>
+        </p:spPr>
+      </p:pic>
+      <p:pic>
+        <p:nvPicPr>
+          <p:cNvPr id="9" name="Picture 8"/>
+          <p:cNvPicPr>
+            <a:picLocks noChangeAspect="1"/>
+          </p:cNvPicPr>
+          <p:nvPr/>
+        </p:nvPicPr>
+        <p:blipFill>
+          <a:blip r:embed="rId5"/>
+          <a:stretch>
+            <a:fillRect/>
+          </a:stretch>
+        </p:blipFill>
+        <p:spPr>
+          <a:xfrm>
+            <a:off x="5791200" y="3733800"/>
+            <a:ext cx="1485900" cy="1790700"/>
+          </a:xfrm>
+          <a:prstGeom prst="rect">
+            <a:avLst/>
+          </a:prstGeom>
+          <a:ln>
+            <a:solidFill>
+              <a:schemeClr val="accent1"/>
+            </a:solidFill>
+          </a:ln>
+        </p:spPr>
+      </p:pic>
+      <p:cxnSp>
+        <p:nvCxnSpPr>
+          <p:cNvPr id="11" name="Straight Arrow Connector 10"/>
+          <p:cNvCxnSpPr/>
+          <p:nvPr/>
+        </p:nvCxnSpPr>
+        <p:spPr bwMode="auto">
+          <a:xfrm flipH="1">
+            <a:off x="4876800" y="2057400"/>
+            <a:ext cx="762000" cy="489550"/>
+          </a:xfrm>
+          <a:prstGeom prst="straightConnector1">
+            <a:avLst/>
+          </a:prstGeom>
+          <a:noFill/>
+          <a:ln w="9525" cap="flat" cmpd="sng" algn="ctr">
+            <a:solidFill>
+              <a:srgbClr val="FF0000"/>
+            </a:solidFill>
+            <a:prstDash val="solid"/>
+            <a:round/>
+            <a:headEnd type="none" w="med" len="med"/>
+            <a:tailEnd type="triangle"/>
+          </a:ln>
+          <a:effectLst/>
+        </p:spPr>
+      </p:cxnSp>
+      <p:cxnSp>
+        <p:nvCxnSpPr>
+          <p:cNvPr id="13" name="Straight Arrow Connector 12"/>
+          <p:cNvCxnSpPr/>
+          <p:nvPr/>
+        </p:nvCxnSpPr>
+        <p:spPr bwMode="auto">
+          <a:xfrm flipV="1">
+            <a:off x="3924300" y="3874700"/>
+            <a:ext cx="1028700" cy="468700"/>
+          </a:xfrm>
+          <a:prstGeom prst="straightConnector1">
+            <a:avLst/>
+          </a:prstGeom>
+          <a:noFill/>
+          <a:ln w="9525" cap="flat" cmpd="sng" algn="ctr">
+            <a:solidFill>
+              <a:srgbClr val="FF0000"/>
+            </a:solidFill>
+            <a:prstDash val="solid"/>
+            <a:round/>
+            <a:headEnd type="none" w="med" len="med"/>
+            <a:tailEnd type="triangle"/>
+          </a:ln>
+          <a:effectLst/>
+        </p:spPr>
+      </p:cxnSp>
+      <p:cxnSp>
+        <p:nvCxnSpPr>
+          <p:cNvPr id="15" name="Straight Arrow Connector 14"/>
+          <p:cNvCxnSpPr/>
+          <p:nvPr/>
+        </p:nvCxnSpPr>
+        <p:spPr bwMode="auto">
+          <a:xfrm flipH="1">
+            <a:off x="6781800" y="3227773"/>
+            <a:ext cx="762000" cy="726903"/>
+          </a:xfrm>
+          <a:prstGeom prst="straightConnector1">
+            <a:avLst/>
+          </a:prstGeom>
+          <a:noFill/>
+          <a:ln w="9525" cap="flat" cmpd="sng" algn="ctr">
+            <a:solidFill>
+              <a:srgbClr val="FF0000"/>
+            </a:solidFill>
+            <a:prstDash val="solid"/>
+            <a:round/>
+            <a:headEnd type="none" w="med" len="med"/>
+            <a:tailEnd type="triangle"/>
+          </a:ln>
+          <a:effectLst/>
+        </p:spPr>
+      </p:cxnSp>
+    </p:spTree>
+    <p:extLst>
+      <p:ext uri="{BB962C8B-B14F-4D97-AF65-F5344CB8AC3E}">
+        <p14:creationId xmlns:p14="http://schemas.microsoft.com/office/powerpoint/2010/main" val="1843629417"/>
+      </p:ext>
+    </p:extLst>
+  </p:cSld>
+  <p:clrMapOvr>
+    <a:masterClrMapping/>
+  </p:clrMapOvr>
+  <p:transition/>
+  <p:timing>
+    <p:tnLst>
+      <p:par>
+        <p:cTn id="1" dur="indefinite" restart="never" nodeType="tmRoot">
+          <p:childTnLst>
+            <p:seq concurrent="1" nextAc="seek">
+              <p:cTn id="2" dur="indefinite" nodeType="mainSeq">
+                <p:childTnLst>
+                  <p:par>
+                    <p:cTn id="3" fill="hold">
+                      <p:stCondLst>
+                        <p:cond delay="indefinite"/>
+                      </p:stCondLst>
+                      <p:childTnLst>
+                        <p:par>
+                          <p:cTn id="4" fill="hold">
+                            <p:stCondLst>
+                              <p:cond delay="0"/>
+                            </p:stCondLst>
+                            <p:childTnLst>
+                              <p:par>
+                                <p:cTn id="5" presetID="10" presetClass="entr" presetSubtype="0" fill="hold" nodeType="clickEffect">
+                                  <p:stCondLst>
+                                    <p:cond delay="0"/>
+                                  </p:stCondLst>
+                                  <p:childTnLst>
+                                    <p:set>
+                                      <p:cBhvr>
+                                        <p:cTn id="6" dur="1" fill="hold">
+                                          <p:stCondLst>
+                                            <p:cond delay="0"/>
+                                          </p:stCondLst>
+                                        </p:cTn>
+                                        <p:tgtEl>
+                                          <p:spTgt spid="4"/>
+                                        </p:tgtEl>
+                                        <p:attrNameLst>
+                                          <p:attrName>style.visibility</p:attrName>
+                                        </p:attrNameLst>
+                                      </p:cBhvr>
+                                      <p:to>
+                                        <p:strVal val="visible"/>
+                                      </p:to>
+                                    </p:set>
+                                    <p:animEffect transition="in" filter="fade">
+                                      <p:cBhvr>
+                                        <p:cTn id="7" dur="500"/>
+                                        <p:tgtEl>
+                                          <p:spTgt spid="4"/>
+                                        </p:tgtEl>
+                                      </p:cBhvr>
+                                    </p:animEffect>
+                                  </p:childTnLst>
+                                </p:cTn>
+                              </p:par>
+                              <p:par>
+                                <p:cTn id="8" presetID="10" presetClass="entr" presetSubtype="0" fill="hold" nodeType="withEffect">
+                                  <p:stCondLst>
+                                    <p:cond delay="0"/>
+                                  </p:stCondLst>
+                                  <p:childTnLst>
+                                    <p:set>
+                                      <p:cBhvr>
+                                        <p:cTn id="9" dur="1" fill="hold">
+                                          <p:stCondLst>
+                                            <p:cond delay="0"/>
+                                          </p:stCondLst>
+                                        </p:cTn>
+                                        <p:tgtEl>
+                                          <p:spTgt spid="6"/>
+                                        </p:tgtEl>
+                                        <p:attrNameLst>
+                                          <p:attrName>style.visibility</p:attrName>
+                                        </p:attrNameLst>
+                                      </p:cBhvr>
+                                      <p:to>
+                                        <p:strVal val="visible"/>
+                                      </p:to>
+                                    </p:set>
+                                    <p:animEffect transition="in" filter="fade">
+                                      <p:cBhvr>
+                                        <p:cTn id="10" dur="500"/>
+                                        <p:tgtEl>
+                                          <p:spTgt spid="6"/>
+                                        </p:tgtEl>
+                                      </p:cBhvr>
+                                    </p:animEffect>
+                                  </p:childTnLst>
+                                </p:cTn>
+                              </p:par>
+                            </p:childTnLst>
+                          </p:cTn>
+                        </p:par>
+                      </p:childTnLst>
+                    </p:cTn>
+                  </p:par>
+                  <p:par>
+                    <p:cTn id="11" fill="hold">
+                      <p:stCondLst>
+                        <p:cond delay="indefinite"/>
+                      </p:stCondLst>
+                      <p:childTnLst>
+                        <p:par>
+                          <p:cTn id="12" fill="hold">
+                            <p:stCondLst>
+                              <p:cond delay="0"/>
+                            </p:stCondLst>
+                            <p:childTnLst>
+                              <p:par>
+                                <p:cTn id="13" presetID="10" presetClass="entr" presetSubtype="0" fill="hold" nodeType="clickEffect">
+                                  <p:stCondLst>
+                                    <p:cond delay="0"/>
+                                  </p:stCondLst>
+                                  <p:childTnLst>
+                                    <p:set>
+                                      <p:cBhvr>
+                                        <p:cTn id="14" dur="1" fill="hold">
+                                          <p:stCondLst>
+                                            <p:cond delay="0"/>
+                                          </p:stCondLst>
+                                        </p:cTn>
+                                        <p:tgtEl>
+                                          <p:spTgt spid="7"/>
+                                        </p:tgtEl>
+                                        <p:attrNameLst>
+                                          <p:attrName>style.visibility</p:attrName>
+                                        </p:attrNameLst>
+                                      </p:cBhvr>
+                                      <p:to>
+                                        <p:strVal val="visible"/>
+                                      </p:to>
+                                    </p:set>
+                                    <p:animEffect transition="in" filter="fade">
+                                      <p:cBhvr>
+                                        <p:cTn id="15" dur="500"/>
+                                        <p:tgtEl>
+                                          <p:spTgt spid="7"/>
+                                        </p:tgtEl>
+                                      </p:cBhvr>
+                                    </p:animEffect>
+                                  </p:childTnLst>
+                                </p:cTn>
+                              </p:par>
+                              <p:par>
+                                <p:cTn id="16" presetID="10" presetClass="entr" presetSubtype="0" fill="hold" nodeType="withEffect">
+                                  <p:stCondLst>
+                                    <p:cond delay="0"/>
+                                  </p:stCondLst>
+                                  <p:childTnLst>
+                                    <p:set>
+                                      <p:cBhvr>
+                                        <p:cTn id="17" dur="1" fill="hold">
+                                          <p:stCondLst>
+                                            <p:cond delay="0"/>
+                                          </p:stCondLst>
+                                        </p:cTn>
+                                        <p:tgtEl>
+                                          <p:spTgt spid="11"/>
+                                        </p:tgtEl>
+                                        <p:attrNameLst>
+                                          <p:attrName>style.visibility</p:attrName>
+                                        </p:attrNameLst>
+                                      </p:cBhvr>
+                                      <p:to>
+                                        <p:strVal val="visible"/>
+                                      </p:to>
+                                    </p:set>
+                                    <p:animEffect transition="in" filter="fade">
+                                      <p:cBhvr>
+                                        <p:cTn id="18" dur="500"/>
+                                        <p:tgtEl>
+                                          <p:spTgt spid="11"/>
+                                        </p:tgtEl>
+                                      </p:cBhvr>
+                                    </p:animEffect>
+                                  </p:childTnLst>
+                                </p:cTn>
+                              </p:par>
+                            </p:childTnLst>
+                          </p:cTn>
+                        </p:par>
+                      </p:childTnLst>
+                    </p:cTn>
+                  </p:par>
+                  <p:par>
+                    <p:cTn id="19" fill="hold">
+                      <p:stCondLst>
+                        <p:cond delay="indefinite"/>
+                      </p:stCondLst>
+                      <p:childTnLst>
+                        <p:par>
+                          <p:cTn id="20" fill="hold">
+                            <p:stCondLst>
+                              <p:cond delay="0"/>
+                            </p:stCondLst>
+                            <p:childTnLst>
+                              <p:par>
+                                <p:cTn id="21" presetID="10" presetClass="entr" presetSubtype="0" fill="hold" nodeType="clickEffect">
+                                  <p:stCondLst>
+                                    <p:cond delay="0"/>
+                                  </p:stCondLst>
+                                  <p:childTnLst>
+                                    <p:set>
+                                      <p:cBhvr>
+                                        <p:cTn id="22" dur="1" fill="hold">
+                                          <p:stCondLst>
+                                            <p:cond delay="0"/>
+                                          </p:stCondLst>
+                                        </p:cTn>
+                                        <p:tgtEl>
+                                          <p:spTgt spid="8"/>
+                                        </p:tgtEl>
+                                        <p:attrNameLst>
+                                          <p:attrName>style.visibility</p:attrName>
+                                        </p:attrNameLst>
+                                      </p:cBhvr>
+                                      <p:to>
+                                        <p:strVal val="visible"/>
+                                      </p:to>
+                                    </p:set>
+                                    <p:animEffect transition="in" filter="fade">
+                                      <p:cBhvr>
+                                        <p:cTn id="23" dur="500"/>
+                                        <p:tgtEl>
+                                          <p:spTgt spid="8"/>
+                                        </p:tgtEl>
+                                      </p:cBhvr>
+                                    </p:animEffect>
+                                  </p:childTnLst>
+                                </p:cTn>
+                              </p:par>
+                              <p:par>
+                                <p:cTn id="24" presetID="10" presetClass="entr" presetSubtype="0" fill="hold" nodeType="withEffect">
+                                  <p:stCondLst>
+                                    <p:cond delay="0"/>
+                                  </p:stCondLst>
+                                  <p:childTnLst>
+                                    <p:set>
+                                      <p:cBhvr>
+                                        <p:cTn id="25" dur="1" fill="hold">
+                                          <p:stCondLst>
+                                            <p:cond delay="0"/>
+                                          </p:stCondLst>
+                                        </p:cTn>
+                                        <p:tgtEl>
+                                          <p:spTgt spid="13"/>
+                                        </p:tgtEl>
+                                        <p:attrNameLst>
+                                          <p:attrName>style.visibility</p:attrName>
+                                        </p:attrNameLst>
+                                      </p:cBhvr>
+                                      <p:to>
+                                        <p:strVal val="visible"/>
+                                      </p:to>
+                                    </p:set>
+                                    <p:animEffect transition="in" filter="fade">
+                                      <p:cBhvr>
+                                        <p:cTn id="26" dur="500"/>
+                                        <p:tgtEl>
+                                          <p:spTgt spid="13"/>
+                                        </p:tgtEl>
+                                      </p:cBhvr>
+                                    </p:animEffect>
+                                  </p:childTnLst>
+                                </p:cTn>
+                              </p:par>
+                            </p:childTnLst>
+                          </p:cTn>
+                        </p:par>
+                      </p:childTnLst>
+                    </p:cTn>
+                  </p:par>
+                  <p:par>
+                    <p:cTn id="27" fill="hold">
+                      <p:stCondLst>
+                        <p:cond delay="indefinite"/>
+                      </p:stCondLst>
+                      <p:childTnLst>
+                        <p:par>
+                          <p:cTn id="28" fill="hold">
+                            <p:stCondLst>
+                              <p:cond delay="0"/>
+                            </p:stCondLst>
+                            <p:childTnLst>
+                              <p:par>
+                                <p:cTn id="29" presetID="10" presetClass="entr" presetSubtype="0" fill="hold" nodeType="clickEffect">
+                                  <p:stCondLst>
+                                    <p:cond delay="0"/>
+                                  </p:stCondLst>
+                                  <p:childTnLst>
+                                    <p:set>
+                                      <p:cBhvr>
+                                        <p:cTn id="30" dur="1" fill="hold">
+                                          <p:stCondLst>
+                                            <p:cond delay="0"/>
+                                          </p:stCondLst>
+                                        </p:cTn>
+                                        <p:tgtEl>
+                                          <p:spTgt spid="9"/>
+                                        </p:tgtEl>
+                                        <p:attrNameLst>
+                                          <p:attrName>style.visibility</p:attrName>
+                                        </p:attrNameLst>
+                                      </p:cBhvr>
+                                      <p:to>
+                                        <p:strVal val="visible"/>
+                                      </p:to>
+                                    </p:set>
+                                    <p:animEffect transition="in" filter="fade">
+                                      <p:cBhvr>
+                                        <p:cTn id="31" dur="500"/>
+                                        <p:tgtEl>
+                                          <p:spTgt spid="9"/>
+                                        </p:tgtEl>
+                                      </p:cBhvr>
+                                    </p:animEffect>
+                                  </p:childTnLst>
+                                </p:cTn>
+                              </p:par>
+                              <p:par>
+                                <p:cTn id="32" presetID="10" presetClass="entr" presetSubtype="0" fill="hold" nodeType="withEffect">
+                                  <p:stCondLst>
+                                    <p:cond delay="0"/>
+                                  </p:stCondLst>
+                                  <p:childTnLst>
+                                    <p:set>
+                                      <p:cBhvr>
+                                        <p:cTn id="33" dur="1" fill="hold">
+                                          <p:stCondLst>
+                                            <p:cond delay="0"/>
+                                          </p:stCondLst>
+                                        </p:cTn>
+                                        <p:tgtEl>
+                                          <p:spTgt spid="15"/>
+                                        </p:tgtEl>
+                                        <p:attrNameLst>
+                                          <p:attrName>style.visibility</p:attrName>
+                                        </p:attrNameLst>
+                                      </p:cBhvr>
+                                      <p:to>
+                                        <p:strVal val="visible"/>
+                                      </p:to>
+                                    </p:set>
+                                    <p:animEffect transition="in" filter="fade">
+                                      <p:cBhvr>
+                                        <p:cTn id="34" dur="500"/>
+                                        <p:tgtEl>
+                                          <p:spTgt spid="15"/>
+                                        </p:tgtEl>
+                                      </p:cBhvr>
+                                    </p:animEffect>
+                                  </p:childTnLst>
+                                </p:cTn>
+                              </p:par>
+                            </p:childTnLst>
+                          </p:cTn>
+                        </p:par>
+                      </p:childTnLst>
+                    </p:cTn>
+                  </p:par>
+                </p:childTnLst>
+              </p:cTn>
+              <p:prevCondLst>
+                <p:cond evt="onPrev" delay="0">
+                  <p:tgtEl>
+                    <p:sldTgt/>
+                  </p:tgtEl>
+                </p:cond>
+              </p:prevCondLst>
+              <p:nextCondLst>
+                <p:cond evt="onNext" delay="0">
+                  <p:tgtEl>
+                    <p:sldTgt/>
+                  </p:tgtEl>
+                </p:cond>
+              </p:nextCondLst>
+            </p:seq>
+          </p:childTnLst>
+        </p:cTn>
+      </p:par>
+    </p:tnLst>
+  </p:timing>
+</p:sld>
+</file>
+
+<file path=ppt/slides/slide13.xml><?xml version="1.0" encoding="utf-8"?>
+<p:sld xmlns:a="http://schemas.openxmlformats.org/drawingml/2006/main" xmlns:r="http://schemas.openxmlformats.org/officeDocument/2006/relationships" xmlns:p="http://schemas.openxmlformats.org/presentationml/2006/main">
+  <p:cSld>
+    <p:spTree>
+      <p:nvGrpSpPr>
+        <p:cNvPr id="1" name=""/>
+        <p:cNvGrpSpPr/>
+        <p:nvPr/>
+      </p:nvGrpSpPr>
+      <p:grpSpPr>
+        <a:xfrm>
+          <a:off x="0" y="0"/>
+          <a:ext cx="0" cy="0"/>
+          <a:chOff x="0" y="0"/>
+          <a:chExt cx="0" cy="0"/>
+        </a:xfrm>
+      </p:grpSpPr>
+      <p:sp>
+        <p:nvSpPr>
+          <p:cNvPr id="2" name="Title 1"/>
+          <p:cNvSpPr>
+            <a:spLocks noGrp="1"/>
+          </p:cNvSpPr>
+          <p:nvPr>
+            <p:ph type="title"/>
+          </p:nvPr>
+        </p:nvSpPr>
+        <p:spPr/>
+        <p:txBody>
+          <a:bodyPr/>
+          <a:lstStyle/>
+          <a:p>
+            <a:r>
+              <a:rPr lang="en-US" dirty="0" smtClean="0"/>
+              <a:t>!REST</a:t>
+            </a:r>
+            <a:endParaRPr lang="en-US" dirty="0"/>
+          </a:p>
+        </p:txBody>
+      </p:sp>
+      <p:sp>
+        <p:nvSpPr>
+          <p:cNvPr id="3" name="Text Placeholder 2"/>
+          <p:cNvSpPr>
+            <a:spLocks noGrp="1"/>
+          </p:cNvSpPr>
+          <p:nvPr>
+            <p:ph type="body" idx="1"/>
+          </p:nvPr>
+        </p:nvSpPr>
+        <p:spPr/>
+        <p:txBody>
+          <a:bodyPr/>
+          <a:lstStyle/>
+          <a:p>
+            <a:pPr>
+              <a:buFont typeface="Arial" panose="020B0604020202020204" pitchFamily="34" charset="0"/>
+              <a:buChar char="•"/>
+            </a:pPr>
+            <a:r>
+              <a:rPr lang="en-US" b="0" dirty="0" smtClean="0">
+                <a:solidFill>
+                  <a:srgbClr val="31668B"/>
+                </a:solidFill>
+                <a:latin typeface="Calibri" panose="020F0502020204030204" pitchFamily="34" charset="0"/>
+              </a:rPr>
+              <a:t>Pretty URI’s</a:t>
+            </a:r>
+          </a:p>
+          <a:p>
+            <a:pPr>
+              <a:buFont typeface="Arial" panose="020B0604020202020204" pitchFamily="34" charset="0"/>
+              <a:buChar char="•"/>
+            </a:pPr>
+            <a:r>
+              <a:rPr lang="en-US" b="0" dirty="0" smtClean="0">
+                <a:solidFill>
+                  <a:srgbClr val="31668B"/>
+                </a:solidFill>
+                <a:latin typeface="Calibri" panose="020F0502020204030204" pitchFamily="34" charset="0"/>
+              </a:rPr>
+              <a:t>Transactions</a:t>
+            </a:r>
+          </a:p>
+          <a:p>
+            <a:pPr>
+              <a:buFont typeface="Arial" panose="020B0604020202020204" pitchFamily="34" charset="0"/>
+              <a:buChar char="•"/>
+            </a:pPr>
+            <a:r>
+              <a:rPr lang="en-US" b="0" dirty="0" smtClean="0">
+                <a:solidFill>
+                  <a:srgbClr val="31668B"/>
+                </a:solidFill>
+                <a:latin typeface="Calibri" panose="020F0502020204030204" pitchFamily="34" charset="0"/>
+              </a:rPr>
+              <a:t>HTTP Protocol</a:t>
+            </a:r>
+          </a:p>
+          <a:p>
+            <a:pPr>
+              <a:buFont typeface="Arial" panose="020B0604020202020204" pitchFamily="34" charset="0"/>
+              <a:buChar char="•"/>
+            </a:pPr>
+            <a:r>
+              <a:rPr lang="en-US" b="0" dirty="0" smtClean="0">
+                <a:solidFill>
+                  <a:srgbClr val="31668B"/>
+                </a:solidFill>
+                <a:latin typeface="Calibri" panose="020F0502020204030204" pitchFamily="34" charset="0"/>
+              </a:rPr>
+              <a:t>Simply mapping CRUD to HTTP Verbs</a:t>
+            </a:r>
+          </a:p>
+          <a:p>
+            <a:pPr>
+              <a:buFont typeface="Arial" panose="020B0604020202020204" pitchFamily="34" charset="0"/>
+              <a:buChar char="•"/>
+            </a:pPr>
+            <a:r>
+              <a:rPr lang="en-US" b="0" dirty="0" smtClean="0">
+                <a:solidFill>
+                  <a:srgbClr val="31668B"/>
+                </a:solidFill>
+                <a:latin typeface="Calibri" panose="020F0502020204030204" pitchFamily="34" charset="0"/>
+              </a:rPr>
+              <a:t>Security</a:t>
+            </a:r>
+          </a:p>
+        </p:txBody>
+      </p:sp>
+    </p:spTree>
+    <p:extLst>
+      <p:ext uri="{BB962C8B-B14F-4D97-AF65-F5344CB8AC3E}">
+        <p14:creationId xmlns:p14="http://schemas.microsoft.com/office/powerpoint/2010/main" val="3791683863"/>
+      </p:ext>
+    </p:extLst>
+  </p:cSld>
+  <p:clrMapOvr>
+    <a:masterClrMapping/>
+  </p:clrMapOvr>
+  <p:transition/>
+  <p:timing>
+    <p:tnLst>
+      <p:par>
+        <p:cTn id="1" dur="indefinite" restart="never" nodeType="tmRoot"/>
+      </p:par>
+    </p:tnLst>
+  </p:timing>
+</p:sld>
+</file>
+
+<file path=ppt/slides/slide14.xml><?xml version="1.0" encoding="utf-8"?>
+<p:sld xmlns:a="http://schemas.openxmlformats.org/drawingml/2006/main" xmlns:r="http://schemas.openxmlformats.org/officeDocument/2006/relationships" xmlns:p="http://schemas.openxmlformats.org/presentationml/2006/main">
+  <p:cSld>
+    <p:spTree>
+      <p:nvGrpSpPr>
+        <p:cNvPr id="1" name=""/>
+        <p:cNvGrpSpPr/>
+        <p:nvPr/>
+      </p:nvGrpSpPr>
+      <p:grpSpPr>
+        <a:xfrm>
+          <a:off x="0" y="0"/>
+          <a:ext cx="0" cy="0"/>
+          <a:chOff x="0" y="0"/>
+          <a:chExt cx="0" cy="0"/>
+        </a:xfrm>
+      </p:grpSpPr>
+      <p:sp>
+        <p:nvSpPr>
+          <p:cNvPr id="2" name="Title 1"/>
+          <p:cNvSpPr>
+            <a:spLocks noGrp="1"/>
+          </p:cNvSpPr>
+          <p:nvPr>
+            <p:ph type="title"/>
+          </p:nvPr>
+        </p:nvSpPr>
+        <p:spPr/>
+        <p:txBody>
+          <a:bodyPr/>
+          <a:lstStyle/>
+          <a:p>
+            <a:r>
+              <a:rPr lang="en-US" dirty="0" smtClean="0"/>
+              <a:t>Hypermedia Demo 2</a:t>
+            </a:r>
+            <a:endParaRPr lang="en-US" dirty="0"/>
+          </a:p>
+        </p:txBody>
+      </p:sp>
+      <p:sp>
+        <p:nvSpPr>
+          <p:cNvPr id="3" name="Text Placeholder 2"/>
+          <p:cNvSpPr>
+            <a:spLocks noGrp="1"/>
+          </p:cNvSpPr>
+          <p:nvPr>
+            <p:ph type="body" idx="1"/>
+          </p:nvPr>
+        </p:nvSpPr>
+        <p:spPr/>
+        <p:txBody>
+          <a:bodyPr/>
+          <a:lstStyle/>
+          <a:p>
+            <a:pPr>
+              <a:buFont typeface="Arial" panose="020B0604020202020204" pitchFamily="34" charset="0"/>
+              <a:buChar char="•"/>
+            </a:pPr>
+            <a:endParaRPr lang="en-US" b="0" dirty="0" smtClean="0">
+              <a:solidFill>
+                <a:srgbClr val="31668B"/>
+              </a:solidFill>
+              <a:latin typeface="Calibri" panose="020F0502020204030204" pitchFamily="34" charset="0"/>
+            </a:endParaRPr>
+          </a:p>
+        </p:txBody>
+      </p:sp>
+    </p:spTree>
+    <p:extLst>
+      <p:ext uri="{BB962C8B-B14F-4D97-AF65-F5344CB8AC3E}">
+        <p14:creationId xmlns:p14="http://schemas.microsoft.com/office/powerpoint/2010/main" val="1898180726"/>
+      </p:ext>
+    </p:extLst>
+  </p:cSld>
+  <p:clrMapOvr>
+    <a:masterClrMapping/>
+  </p:clrMapOvr>
+  <p:transition/>
+  <p:timing>
+    <p:tnLst>
+      <p:par>
+        <p:cTn id="1" dur="indefinite" restart="never" nodeType="tmRoot"/>
+      </p:par>
+    </p:tnLst>
+  </p:timing>
+</p:sld>
+</file>
+
+<file path=ppt/slides/slide15.xml><?xml version="1.0" encoding="utf-8"?>
+<p:sld xmlns:a="http://schemas.openxmlformats.org/drawingml/2006/main" xmlns:r="http://schemas.openxmlformats.org/officeDocument/2006/relationships" xmlns:p="http://schemas.openxmlformats.org/presentationml/2006/main">
+  <p:cSld>
+    <p:spTree>
+      <p:nvGrpSpPr>
+        <p:cNvPr id="1" name=""/>
+        <p:cNvGrpSpPr/>
+        <p:nvPr/>
+      </p:nvGrpSpPr>
+      <p:grpSpPr>
+        <a:xfrm>
+          <a:off x="0" y="0"/>
+          <a:ext cx="0" cy="0"/>
+          <a:chOff x="0" y="0"/>
+          <a:chExt cx="0" cy="0"/>
+        </a:xfrm>
+      </p:grpSpPr>
+      <p:sp>
+        <p:nvSpPr>
+          <p:cNvPr id="2" name="Title 1"/>
+          <p:cNvSpPr>
+            <a:spLocks noGrp="1"/>
+          </p:cNvSpPr>
+          <p:nvPr>
+            <p:ph type="title"/>
+          </p:nvPr>
+        </p:nvSpPr>
+        <p:spPr/>
+        <p:txBody>
+          <a:bodyPr/>
+          <a:lstStyle/>
+          <a:p>
+            <a:r>
+              <a:rPr lang="en-US" dirty="0" smtClean="0"/>
+              <a:t>Thanks</a:t>
+            </a:r>
+            <a:endParaRPr lang="en-US" dirty="0"/>
+          </a:p>
+        </p:txBody>
+      </p:sp>
+      <p:sp>
+        <p:nvSpPr>
+          <p:cNvPr id="3" name="Text Placeholder 2"/>
+          <p:cNvSpPr>
+            <a:spLocks noGrp="1"/>
+          </p:cNvSpPr>
+          <p:nvPr>
+            <p:ph type="body" idx="1"/>
+          </p:nvPr>
+        </p:nvSpPr>
+        <p:spPr/>
+        <p:txBody>
+          <a:bodyPr/>
+          <a:lstStyle/>
+          <a:p>
+            <a:pPr>
+              <a:buFont typeface="Arial" panose="020B0604020202020204" pitchFamily="34" charset="0"/>
+              <a:buChar char="•"/>
+            </a:pPr>
+            <a:endParaRPr lang="en-US" b="0" dirty="0" smtClean="0">
+              <a:solidFill>
+                <a:srgbClr val="31668B"/>
+              </a:solidFill>
+              <a:latin typeface="Calibri" panose="020F0502020204030204" pitchFamily="34" charset="0"/>
+            </a:endParaRPr>
+          </a:p>
+        </p:txBody>
+      </p:sp>
+    </p:spTree>
+    <p:extLst>
+      <p:ext uri="{BB962C8B-B14F-4D97-AF65-F5344CB8AC3E}">
+        <p14:creationId xmlns:p14="http://schemas.microsoft.com/office/powerpoint/2010/main" val="4106100079"/>
+      </p:ext>
+    </p:extLst>
+  </p:cSld>
+  <p:clrMapOvr>
+    <a:masterClrMapping/>
+  </p:clrMapOvr>
+  <p:transition/>
+  <p:timing>
+    <p:tnLst>
+      <p:par>
+        <p:cTn id="1" dur="indefinite" restart="never" nodeType="tmRoot"/>
+      </p:par>
+    </p:tnLst>
+  </p:timing>
+</p:sld>
+</file>
+
 <file path=ppt/slides/slide2.xml><?xml version="1.0" encoding="utf-8"?>
 <p:sld xmlns:a="http://schemas.openxmlformats.org/drawingml/2006/main" xmlns:r="http://schemas.openxmlformats.org/officeDocument/2006/relationships" xmlns:p="http://schemas.openxmlformats.org/presentationml/2006/main">
   <p:cSld>
@@ -5512,12 +7139,6 @@
               </a:rPr>
               <a:t>Talk about REST</a:t>
             </a:r>
-            <a:endParaRPr lang="en-US" sz="3200" dirty="0" smtClean="0">
-              <a:solidFill>
-                <a:srgbClr val="31668B"/>
-              </a:solidFill>
-              <a:latin typeface="Calibri" panose="020F0502020204030204" pitchFamily="34" charset="0"/>
-            </a:endParaRPr>
           </a:p>
         </p:txBody>
       </p:sp>
@@ -5556,12 +7177,12 @@
       </p:grpSpPr>
       <p:sp>
         <p:nvSpPr>
-          <p:cNvPr id="2" name="Subtitle 1"/>
+          <p:cNvPr id="2" name="Title 1"/>
           <p:cNvSpPr>
             <a:spLocks noGrp="1"/>
           </p:cNvSpPr>
           <p:nvPr>
-            <p:ph type="subTitle" idx="1"/>
+            <p:ph type="title"/>
           </p:nvPr>
         </p:nvSpPr>
         <p:spPr/>
@@ -5570,17 +7191,291 @@
           <a:lstStyle/>
           <a:p>
             <a:r>
-              <a:rPr lang="en-US" dirty="0" smtClean="0"/>
-              <a:t>What is REST</a:t>
-            </a:r>
-            <a:endParaRPr lang="en-US" dirty="0"/>
+              <a:rPr lang="en-IN" sz="4400" dirty="0" smtClean="0">
+                <a:latin typeface="Calibri" panose="020F0502020204030204" pitchFamily="34" charset="0"/>
+              </a:rPr>
+              <a:t>About Me</a:t>
+            </a:r>
+            <a:endParaRPr lang="en-IN" sz="4400" dirty="0">
+              <a:latin typeface="Calibri" panose="020F0502020204030204" pitchFamily="34" charset="0"/>
+            </a:endParaRPr>
           </a:p>
         </p:txBody>
       </p:sp>
+      <p:pic>
+        <p:nvPicPr>
+          <p:cNvPr id="1026" name="Picture 2" descr="http://www.appliedis.com/Themes/Ais.ThemeSite/Content/Images/aisLogo-Left.png"/>
+          <p:cNvPicPr>
+            <a:picLocks noChangeAspect="1" noChangeArrowheads="1"/>
+          </p:cNvPicPr>
+          <p:nvPr/>
+        </p:nvPicPr>
+        <p:blipFill>
+          <a:blip r:embed="rId3">
+            <a:extLst>
+              <a:ext uri="{28A0092B-C50C-407E-A947-70E740481C1C}">
+                <a14:useLocalDpi xmlns:a14="http://schemas.microsoft.com/office/drawing/2010/main" val="0"/>
+              </a:ext>
+            </a:extLst>
+          </a:blip>
+          <a:srcRect/>
+          <a:stretch>
+            <a:fillRect/>
+          </a:stretch>
+        </p:blipFill>
+        <p:spPr bwMode="auto">
+          <a:xfrm>
+            <a:off x="77114" y="1140410"/>
+            <a:ext cx="2690694" cy="1066799"/>
+          </a:xfrm>
+          <a:prstGeom prst="rect">
+            <a:avLst/>
+          </a:prstGeom>
+          <a:noFill/>
+          <a:extLst>
+            <a:ext uri="{909E8E84-426E-40DD-AFC4-6F175D3DCCD1}">
+              <a14:hiddenFill xmlns:a14="http://schemas.microsoft.com/office/drawing/2010/main">
+                <a:solidFill>
+                  <a:srgbClr val="FFFFFF"/>
+                </a:solidFill>
+              </a14:hiddenFill>
+            </a:ext>
+          </a:extLst>
+        </p:spPr>
+      </p:pic>
+      <p:pic>
+        <p:nvPicPr>
+          <p:cNvPr id="1028" name="Picture 4" descr="http://i.imgur.com/Z8Gm7K2.jpg"/>
+          <p:cNvPicPr>
+            <a:picLocks noChangeAspect="1" noChangeArrowheads="1"/>
+          </p:cNvPicPr>
+          <p:nvPr/>
+        </p:nvPicPr>
+        <p:blipFill>
+          <a:blip r:embed="rId4" cstate="print">
+            <a:extLst>
+              <a:ext uri="{28A0092B-C50C-407E-A947-70E740481C1C}">
+                <a14:useLocalDpi xmlns:a14="http://schemas.microsoft.com/office/drawing/2010/main" val="0"/>
+              </a:ext>
+            </a:extLst>
+          </a:blip>
+          <a:srcRect/>
+          <a:stretch>
+            <a:fillRect/>
+          </a:stretch>
+        </p:blipFill>
+        <p:spPr bwMode="auto">
+          <a:xfrm>
+            <a:off x="6096000" y="1671750"/>
+            <a:ext cx="2258462" cy="1693847"/>
+          </a:xfrm>
+          <a:prstGeom prst="rect">
+            <a:avLst/>
+          </a:prstGeom>
+          <a:noFill/>
+          <a:extLst>
+            <a:ext uri="{909E8E84-426E-40DD-AFC4-6F175D3DCCD1}">
+              <a14:hiddenFill xmlns:a14="http://schemas.microsoft.com/office/drawing/2010/main">
+                <a:solidFill>
+                  <a:srgbClr val="FFFFFF"/>
+                </a:solidFill>
+              </a14:hiddenFill>
+            </a:ext>
+          </a:extLst>
+        </p:spPr>
+      </p:pic>
+      <p:pic>
+        <p:nvPicPr>
+          <p:cNvPr id="1030" name="Picture 6" descr="http://i.imgur.com/9HgXW.jpg"/>
+          <p:cNvPicPr>
+            <a:picLocks noChangeAspect="1" noChangeArrowheads="1"/>
+          </p:cNvPicPr>
+          <p:nvPr/>
+        </p:nvPicPr>
+        <p:blipFill>
+          <a:blip r:embed="rId5" cstate="print">
+            <a:extLst>
+              <a:ext uri="{28A0092B-C50C-407E-A947-70E740481C1C}">
+                <a14:useLocalDpi xmlns:a14="http://schemas.microsoft.com/office/drawing/2010/main" val="0"/>
+              </a:ext>
+            </a:extLst>
+          </a:blip>
+          <a:srcRect/>
+          <a:stretch>
+            <a:fillRect/>
+          </a:stretch>
+        </p:blipFill>
+        <p:spPr bwMode="auto">
+          <a:xfrm>
+            <a:off x="6553200" y="4230897"/>
+            <a:ext cx="2296562" cy="1525329"/>
+          </a:xfrm>
+          <a:prstGeom prst="rect">
+            <a:avLst/>
+          </a:prstGeom>
+          <a:noFill/>
+          <a:extLst>
+            <a:ext uri="{909E8E84-426E-40DD-AFC4-6F175D3DCCD1}">
+              <a14:hiddenFill xmlns:a14="http://schemas.microsoft.com/office/drawing/2010/main">
+                <a:solidFill>
+                  <a:srgbClr val="FFFFFF"/>
+                </a:solidFill>
+              </a14:hiddenFill>
+            </a:ext>
+          </a:extLst>
+        </p:spPr>
+      </p:pic>
+      <p:pic>
+        <p:nvPicPr>
+          <p:cNvPr id="1032" name="Picture 8" descr="http://i.imgur.com/ItY3U.jpg"/>
+          <p:cNvPicPr>
+            <a:picLocks noChangeAspect="1" noChangeArrowheads="1"/>
+          </p:cNvPicPr>
+          <p:nvPr/>
+        </p:nvPicPr>
+        <p:blipFill>
+          <a:blip r:embed="rId6" cstate="print">
+            <a:extLst>
+              <a:ext uri="{28A0092B-C50C-407E-A947-70E740481C1C}">
+                <a14:useLocalDpi xmlns:a14="http://schemas.microsoft.com/office/drawing/2010/main" val="0"/>
+              </a:ext>
+            </a:extLst>
+          </a:blip>
+          <a:srcRect/>
+          <a:stretch>
+            <a:fillRect/>
+          </a:stretch>
+        </p:blipFill>
+        <p:spPr bwMode="auto">
+          <a:xfrm>
+            <a:off x="3869028" y="3753627"/>
+            <a:ext cx="2038524" cy="1525329"/>
+          </a:xfrm>
+          <a:prstGeom prst="rect">
+            <a:avLst/>
+          </a:prstGeom>
+          <a:noFill/>
+          <a:extLst>
+            <a:ext uri="{909E8E84-426E-40DD-AFC4-6F175D3DCCD1}">
+              <a14:hiddenFill xmlns:a14="http://schemas.microsoft.com/office/drawing/2010/main">
+                <a:solidFill>
+                  <a:srgbClr val="FFFFFF"/>
+                </a:solidFill>
+              </a14:hiddenFill>
+            </a:ext>
+          </a:extLst>
+        </p:spPr>
+      </p:pic>
+      <p:pic>
+        <p:nvPicPr>
+          <p:cNvPr id="1034" name="Picture 10" descr="http://www.cbsolution.net/techniques/ontarget/rsrc/2010-05/graph.png"/>
+          <p:cNvPicPr>
+            <a:picLocks noChangeAspect="1" noChangeArrowheads="1"/>
+          </p:cNvPicPr>
+          <p:nvPr/>
+        </p:nvPicPr>
+        <p:blipFill>
+          <a:blip r:embed="rId7">
+            <a:extLst>
+              <a:ext uri="{28A0092B-C50C-407E-A947-70E740481C1C}">
+                <a14:useLocalDpi xmlns:a14="http://schemas.microsoft.com/office/drawing/2010/main" val="0"/>
+              </a:ext>
+            </a:extLst>
+          </a:blip>
+          <a:srcRect/>
+          <a:stretch>
+            <a:fillRect/>
+          </a:stretch>
+        </p:blipFill>
+        <p:spPr bwMode="auto">
+          <a:xfrm>
+            <a:off x="332154" y="2207209"/>
+            <a:ext cx="2180614" cy="2294584"/>
+          </a:xfrm>
+          <a:prstGeom prst="rect">
+            <a:avLst/>
+          </a:prstGeom>
+          <a:noFill/>
+          <a:extLst>
+            <a:ext uri="{909E8E84-426E-40DD-AFC4-6F175D3DCCD1}">
+              <a14:hiddenFill xmlns:a14="http://schemas.microsoft.com/office/drawing/2010/main">
+                <a:solidFill>
+                  <a:srgbClr val="FFFFFF"/>
+                </a:solidFill>
+              </a14:hiddenFill>
+            </a:ext>
+          </a:extLst>
+        </p:spPr>
+      </p:pic>
+      <p:pic>
+        <p:nvPicPr>
+          <p:cNvPr id="1036" name="Picture 12" descr="http://www.tml.tkk.fi/Opinnot/Tik-111.590/2000/Papers/XML%20Messaging_tiedostot/figure1.gif"/>
+          <p:cNvPicPr>
+            <a:picLocks noChangeAspect="1" noChangeArrowheads="1"/>
+          </p:cNvPicPr>
+          <p:nvPr/>
+        </p:nvPicPr>
+        <p:blipFill>
+          <a:blip r:embed="rId8" cstate="print">
+            <a:extLst>
+              <a:ext uri="{28A0092B-C50C-407E-A947-70E740481C1C}">
+                <a14:useLocalDpi xmlns:a14="http://schemas.microsoft.com/office/drawing/2010/main" val="0"/>
+              </a:ext>
+            </a:extLst>
+          </a:blip>
+          <a:srcRect/>
+          <a:stretch>
+            <a:fillRect/>
+          </a:stretch>
+        </p:blipFill>
+        <p:spPr bwMode="auto">
+          <a:xfrm>
+            <a:off x="3198737" y="1524000"/>
+            <a:ext cx="1689553" cy="1510659"/>
+          </a:xfrm>
+          <a:prstGeom prst="rect">
+            <a:avLst/>
+          </a:prstGeom>
+          <a:noFill/>
+          <a:extLst>
+            <a:ext uri="{909E8E84-426E-40DD-AFC4-6F175D3DCCD1}">
+              <a14:hiddenFill xmlns:a14="http://schemas.microsoft.com/office/drawing/2010/main">
+                <a:solidFill>
+                  <a:srgbClr val="FFFFFF"/>
+                </a:solidFill>
+              </a14:hiddenFill>
+            </a:ext>
+          </a:extLst>
+        </p:spPr>
+      </p:pic>
+      <p:pic>
+        <p:nvPicPr>
+          <p:cNvPr id="4" name="Picture 3"/>
+          <p:cNvPicPr>
+            <a:picLocks noChangeAspect="1"/>
+          </p:cNvPicPr>
+          <p:nvPr/>
+        </p:nvPicPr>
+        <p:blipFill>
+          <a:blip r:embed="rId9"/>
+          <a:stretch>
+            <a:fillRect/>
+          </a:stretch>
+        </p:blipFill>
+        <p:spPr>
+          <a:xfrm>
+            <a:off x="1904815" y="4581212"/>
+            <a:ext cx="1641389" cy="1395488"/>
+          </a:xfrm>
+          <a:prstGeom prst="rect">
+            <a:avLst/>
+          </a:prstGeom>
+        </p:spPr>
+      </p:pic>
     </p:spTree>
     <p:extLst>
       <p:ext uri="{BB962C8B-B14F-4D97-AF65-F5344CB8AC3E}">
-        <p14:creationId xmlns:p14="http://schemas.microsoft.com/office/powerpoint/2010/main" val="1254882754"/>
+        <p14:creationId xmlns:p14="http://schemas.microsoft.com/office/powerpoint/2010/main" val="2848294850"/>
       </p:ext>
     </p:extLst>
   </p:cSld>
@@ -5617,6 +7512,67 @@
       </p:grpSpPr>
       <p:sp>
         <p:nvSpPr>
+          <p:cNvPr id="2" name="Subtitle 1"/>
+          <p:cNvSpPr>
+            <a:spLocks noGrp="1"/>
+          </p:cNvSpPr>
+          <p:nvPr>
+            <p:ph type="subTitle" idx="1"/>
+          </p:nvPr>
+        </p:nvSpPr>
+        <p:spPr/>
+        <p:txBody>
+          <a:bodyPr/>
+          <a:lstStyle/>
+          <a:p>
+            <a:r>
+              <a:rPr lang="en-US" dirty="0" smtClean="0"/>
+              <a:t>What is REST</a:t>
+            </a:r>
+            <a:endParaRPr lang="en-US" dirty="0"/>
+          </a:p>
+        </p:txBody>
+      </p:sp>
+    </p:spTree>
+    <p:extLst>
+      <p:ext uri="{BB962C8B-B14F-4D97-AF65-F5344CB8AC3E}">
+        <p14:creationId xmlns:p14="http://schemas.microsoft.com/office/powerpoint/2010/main" val="1254882754"/>
+      </p:ext>
+    </p:extLst>
+  </p:cSld>
+  <p:clrMapOvr>
+    <a:masterClrMapping/>
+  </p:clrMapOvr>
+  <p:transition/>
+  <p:timing>
+    <p:tnLst>
+      <p:par>
+        <p:cTn id="1" dur="indefinite" restart="never" nodeType="tmRoot"/>
+      </p:par>
+    </p:tnLst>
+  </p:timing>
+</p:sld>
+</file>
+
+<file path=ppt/slides/slide5.xml><?xml version="1.0" encoding="utf-8"?>
+<p:sld xmlns:a="http://schemas.openxmlformats.org/drawingml/2006/main" xmlns:r="http://schemas.openxmlformats.org/officeDocument/2006/relationships" xmlns:p="http://schemas.openxmlformats.org/presentationml/2006/main">
+  <p:cSld>
+    <p:spTree>
+      <p:nvGrpSpPr>
+        <p:cNvPr id="1" name=""/>
+        <p:cNvGrpSpPr/>
+        <p:nvPr/>
+      </p:nvGrpSpPr>
+      <p:grpSpPr>
+        <a:xfrm>
+          <a:off x="0" y="0"/>
+          <a:ext cx="0" cy="0"/>
+          <a:chOff x="0" y="0"/>
+          <a:chExt cx="0" cy="0"/>
+        </a:xfrm>
+      </p:grpSpPr>
+      <p:sp>
+        <p:nvSpPr>
           <p:cNvPr id="2" name="Title 1"/>
           <p:cNvSpPr>
             <a:spLocks noGrp="1"/>
@@ -5662,59 +7618,30 @@
               <a:buChar char="•"/>
             </a:pPr>
             <a:r>
-              <a:rPr lang="en-US" sz="3200" b="0" u="sng" dirty="0" smtClean="0">
+              <a:rPr lang="en-US" sz="3200" b="0" dirty="0" smtClean="0">
                 <a:solidFill>
                   <a:srgbClr val="31668B"/>
                 </a:solidFill>
                 <a:latin typeface="Calibri" panose="020F0502020204030204" pitchFamily="34" charset="0"/>
               </a:rPr>
-              <a:t>Re</a:t>
-            </a:r>
-            <a:r>
-              <a:rPr lang="en-US" sz="3200" b="0" dirty="0" smtClean="0">
+              <a:t>Term coined by Roy Fielding. </a:t>
+            </a:r>
+            <a:r>
+              <a:rPr lang="en-US" sz="1600" b="0" dirty="0" smtClean="0">
                 <a:solidFill>
                   <a:srgbClr val="31668B"/>
                 </a:solidFill>
                 <a:latin typeface="Calibri" panose="020F0502020204030204" pitchFamily="34" charset="0"/>
+                <a:hlinkClick r:id="rId3"/>
               </a:rPr>
-              <a:t>presentation </a:t>
-            </a:r>
-            <a:r>
-              <a:rPr lang="en-US" sz="3200" b="0" u="sng" dirty="0" smtClean="0">
-                <a:solidFill>
-                  <a:srgbClr val="31668B"/>
-                </a:solidFill>
-                <a:latin typeface="Calibri" panose="020F0502020204030204" pitchFamily="34" charset="0"/>
-              </a:rPr>
-              <a:t>S</a:t>
-            </a:r>
-            <a:r>
-              <a:rPr lang="en-US" sz="3200" b="0" dirty="0" smtClean="0">
-                <a:solidFill>
-                  <a:srgbClr val="31668B"/>
-                </a:solidFill>
-                <a:latin typeface="Calibri" panose="020F0502020204030204" pitchFamily="34" charset="0"/>
-              </a:rPr>
-              <a:t>tate </a:t>
-            </a:r>
-            <a:r>
-              <a:rPr lang="en-US" sz="3200" b="0" u="sng" dirty="0" smtClean="0">
-                <a:solidFill>
-                  <a:srgbClr val="31668B"/>
-                </a:solidFill>
-                <a:latin typeface="Calibri" panose="020F0502020204030204" pitchFamily="34" charset="0"/>
-              </a:rPr>
-              <a:t>T</a:t>
-            </a:r>
-            <a:r>
-              <a:rPr lang="en-US" sz="3200" b="0" dirty="0" smtClean="0">
-                <a:solidFill>
-                  <a:srgbClr val="31668B"/>
-                </a:solidFill>
-                <a:latin typeface="Calibri" panose="020F0502020204030204" pitchFamily="34" charset="0"/>
-              </a:rPr>
-              <a:t>ransfer</a:t>
-            </a:r>
+              <a:t>Link</a:t>
+            </a:r>
+            <a:endParaRPr lang="en-US" sz="1600" b="0" dirty="0" smtClean="0">
+              <a:solidFill>
+                <a:srgbClr val="31668B"/>
+              </a:solidFill>
+              <a:latin typeface="Calibri" panose="020F0502020204030204" pitchFamily="34" charset="0"/>
+            </a:endParaRPr>
           </a:p>
           <a:p>
             <a:pPr marL="457200" indent="-457200">
@@ -5722,49 +7649,58 @@
               <a:buChar char="•"/>
             </a:pPr>
             <a:r>
-              <a:rPr lang="en-US" sz="3200" b="0" dirty="0">
+              <a:rPr lang="en-US" sz="3200" b="0" u="sng" dirty="0" smtClean="0">
                 <a:solidFill>
                   <a:srgbClr val="31668B"/>
                 </a:solidFill>
                 <a:latin typeface="Calibri" panose="020F0502020204030204" pitchFamily="34" charset="0"/>
               </a:rPr>
-              <a:t>A broadly accepted </a:t>
-            </a:r>
-            <a:r>
-              <a:rPr lang="en-US" sz="3200" dirty="0">
+              <a:t>Re</a:t>
+            </a:r>
+            <a:r>
+              <a:rPr lang="en-US" sz="3200" b="0" dirty="0" smtClean="0">
                 <a:solidFill>
                   <a:srgbClr val="31668B"/>
                 </a:solidFill>
                 <a:latin typeface="Calibri" panose="020F0502020204030204" pitchFamily="34" charset="0"/>
               </a:rPr>
-              <a:t>style of </a:t>
-            </a:r>
-            <a:r>
-              <a:rPr lang="en-US" sz="3200" b="0" dirty="0">
+              <a:t>presentation </a:t>
+            </a:r>
+            <a:r>
+              <a:rPr lang="en-US" sz="3200" b="0" u="sng" dirty="0" smtClean="0">
                 <a:solidFill>
                   <a:srgbClr val="31668B"/>
                 </a:solidFill>
                 <a:latin typeface="Calibri" panose="020F0502020204030204" pitchFamily="34" charset="0"/>
               </a:rPr>
-              <a:t>software </a:t>
-            </a:r>
-            <a:r>
-              <a:rPr lang="en-US" sz="3200" dirty="0">
+              <a:t>S</a:t>
+            </a:r>
+            <a:r>
+              <a:rPr lang="en-US" sz="3200" b="0" dirty="0" smtClean="0">
                 <a:solidFill>
                   <a:srgbClr val="31668B"/>
                 </a:solidFill>
                 <a:latin typeface="Calibri" panose="020F0502020204030204" pitchFamily="34" charset="0"/>
               </a:rPr>
-              <a:t>architecture</a:t>
-            </a:r>
-            <a:r>
-              <a:rPr lang="en-US" sz="3200" b="0" dirty="0">
+              <a:t>tate </a:t>
+            </a:r>
+            <a:r>
+              <a:rPr lang="en-US" sz="3200" b="0" u="sng" dirty="0" smtClean="0">
                 <a:solidFill>
                   <a:srgbClr val="31668B"/>
                 </a:solidFill>
                 <a:latin typeface="Calibri" panose="020F0502020204030204" pitchFamily="34" charset="0"/>
               </a:rPr>
-              <a:t> for distributed hypermedia systems</a:t>
+              <a:t>T</a:t>
+            </a:r>
+            <a:r>
+              <a:rPr lang="en-US" sz="3200" b="0" dirty="0" smtClean="0">
+                <a:solidFill>
+                  <a:srgbClr val="31668B"/>
+                </a:solidFill>
+                <a:latin typeface="Calibri" panose="020F0502020204030204" pitchFamily="34" charset="0"/>
+              </a:rPr>
+              <a:t>ransfer</a:t>
             </a:r>
           </a:p>
           <a:p>
@@ -5779,7 +7715,43 @@
                 </a:solidFill>
                 <a:latin typeface="Calibri" panose="020F0502020204030204" pitchFamily="34" charset="0"/>
               </a:rPr>
-              <a:t>Web is based on this.</a:t>
+              <a:t>A broadly accepted </a:t>
+            </a:r>
+            <a:r>
+              <a:rPr lang="en-US" sz="3200" dirty="0">
+                <a:solidFill>
+                  <a:srgbClr val="31668B"/>
+                </a:solidFill>
+                <a:latin typeface="Calibri" panose="020F0502020204030204" pitchFamily="34" charset="0"/>
+              </a:rPr>
+              <a:t>style of </a:t>
+            </a:r>
+            <a:r>
+              <a:rPr lang="en-US" sz="3200" b="0" dirty="0">
+                <a:solidFill>
+                  <a:srgbClr val="31668B"/>
+                </a:solidFill>
+                <a:latin typeface="Calibri" panose="020F0502020204030204" pitchFamily="34" charset="0"/>
+              </a:rPr>
+              <a:t>software </a:t>
+            </a:r>
+            <a:r>
+              <a:rPr lang="en-US" sz="3200" dirty="0">
+                <a:solidFill>
+                  <a:srgbClr val="31668B"/>
+                </a:solidFill>
+                <a:latin typeface="Calibri" panose="020F0502020204030204" pitchFamily="34" charset="0"/>
+              </a:rPr>
+              <a:t>architecture</a:t>
+            </a:r>
+            <a:r>
+              <a:rPr lang="en-US" sz="3200" b="0" dirty="0">
+                <a:solidFill>
+                  <a:srgbClr val="31668B"/>
+                </a:solidFill>
+                <a:latin typeface="Calibri" panose="020F0502020204030204" pitchFamily="34" charset="0"/>
+              </a:rPr>
+              <a:t> for distributed hypermedia systems</a:t>
             </a:r>
           </a:p>
           <a:p>
@@ -5788,14 +7760,50 @@
               <a:buChar char="•"/>
             </a:pPr>
             <a:r>
-              <a:rPr lang="en-US" sz="3200" b="0" dirty="0">
+              <a:rPr lang="en-US" sz="3200" b="0" dirty="0" smtClean="0">
                 <a:solidFill>
                   <a:srgbClr val="31668B"/>
                 </a:solidFill>
                 <a:latin typeface="Calibri" panose="020F0502020204030204" pitchFamily="34" charset="0"/>
               </a:rPr>
-              <a:t>Why do we care about REST?</a:t>
-            </a:r>
+              <a:t>Why </a:t>
+            </a:r>
+            <a:r>
+              <a:rPr lang="en-US" sz="3200" b="0" dirty="0">
+                <a:solidFill>
+                  <a:srgbClr val="31668B"/>
+                </a:solidFill>
+                <a:latin typeface="Calibri" panose="020F0502020204030204" pitchFamily="34" charset="0"/>
+              </a:rPr>
+              <a:t>do we care about REST</a:t>
+            </a:r>
+            <a:r>
+              <a:rPr lang="en-US" sz="3200" b="0" dirty="0" smtClean="0">
+                <a:solidFill>
+                  <a:srgbClr val="31668B"/>
+                </a:solidFill>
+                <a:latin typeface="Calibri" panose="020F0502020204030204" pitchFamily="34" charset="0"/>
+              </a:rPr>
+              <a:t>?</a:t>
+            </a:r>
+          </a:p>
+          <a:p>
+            <a:pPr marL="857250" lvl="1" indent="-457200">
+              <a:buFont typeface="Arial" panose="020B0604020202020204" pitchFamily="34" charset="0"/>
+              <a:buChar char="•"/>
+            </a:pPr>
+            <a:r>
+              <a:rPr lang="en-US" sz="2800" dirty="0" smtClean="0">
+                <a:latin typeface="Calibri" panose="020F0502020204030204" pitchFamily="34" charset="0"/>
+              </a:rPr>
+              <a:t>1 T. Commerce over systems designed with REST Principles.</a:t>
+            </a:r>
+            <a:endParaRPr lang="en-US" sz="2800" b="0" dirty="0">
+              <a:solidFill>
+                <a:srgbClr val="31668B"/>
+              </a:solidFill>
+              <a:latin typeface="Calibri" panose="020F0502020204030204" pitchFamily="34" charset="0"/>
+            </a:endParaRPr>
           </a:p>
           <a:p>
             <a:endParaRPr lang="en-US" b="0" dirty="0" smtClean="0">
@@ -5831,7 +7839,254 @@
 </p:sld>
 </file>
 
-<file path=ppt/slides/slide5.xml><?xml version="1.0" encoding="utf-8"?>
+<file path=ppt/slides/slide6.xml><?xml version="1.0" encoding="utf-8"?>
+<p:sld xmlns:a="http://schemas.openxmlformats.org/drawingml/2006/main" xmlns:r="http://schemas.openxmlformats.org/officeDocument/2006/relationships" xmlns:p="http://schemas.openxmlformats.org/presentationml/2006/main">
+  <p:cSld>
+    <p:spTree>
+      <p:nvGrpSpPr>
+        <p:cNvPr id="1" name=""/>
+        <p:cNvGrpSpPr/>
+        <p:nvPr/>
+      </p:nvGrpSpPr>
+      <p:grpSpPr>
+        <a:xfrm>
+          <a:off x="0" y="0"/>
+          <a:ext cx="0" cy="0"/>
+          <a:chOff x="0" y="0"/>
+          <a:chExt cx="0" cy="0"/>
+        </a:xfrm>
+      </p:grpSpPr>
+      <p:sp>
+        <p:nvSpPr>
+          <p:cNvPr id="2" name="Title 1"/>
+          <p:cNvSpPr>
+            <a:spLocks noGrp="1"/>
+          </p:cNvSpPr>
+          <p:nvPr>
+            <p:ph type="title"/>
+          </p:nvPr>
+        </p:nvSpPr>
+        <p:spPr/>
+        <p:txBody>
+          <a:bodyPr/>
+          <a:lstStyle/>
+          <a:p>
+            <a:r>
+              <a:rPr lang="en-US" dirty="0" smtClean="0">
+                <a:latin typeface="Calibri" panose="020F0502020204030204" pitchFamily="34" charset="0"/>
+              </a:rPr>
+              <a:t>What is a </a:t>
+            </a:r>
+            <a:r>
+              <a:rPr lang="en-US" dirty="0" smtClean="0"/>
+              <a:t>software architecture style?</a:t>
+            </a:r>
+            <a:endParaRPr lang="en-US" dirty="0">
+              <a:latin typeface="Calibri" panose="020F0502020204030204" pitchFamily="34" charset="0"/>
+            </a:endParaRPr>
+          </a:p>
+        </p:txBody>
+      </p:sp>
+      <p:sp>
+        <p:nvSpPr>
+          <p:cNvPr id="3" name="Text Placeholder 2"/>
+          <p:cNvSpPr>
+            <a:spLocks noGrp="1"/>
+          </p:cNvSpPr>
+          <p:nvPr>
+            <p:ph type="body" idx="1"/>
+          </p:nvPr>
+        </p:nvSpPr>
+        <p:spPr/>
+        <p:txBody>
+          <a:bodyPr/>
+          <a:lstStyle/>
+          <a:p>
+            <a:pPr marL="457200" indent="-457200">
+              <a:buFont typeface="Arial" panose="020B0604020202020204" pitchFamily="34" charset="0"/>
+              <a:buChar char="•"/>
+            </a:pPr>
+            <a:r>
+              <a:rPr lang="en-US" sz="3200" b="0" dirty="0" smtClean="0">
+                <a:solidFill>
+                  <a:srgbClr val="31668B"/>
+                </a:solidFill>
+                <a:latin typeface="Calibri" panose="020F0502020204030204" pitchFamily="34" charset="0"/>
+              </a:rPr>
+              <a:t>An architecture Style:</a:t>
+            </a:r>
+          </a:p>
+          <a:p>
+            <a:pPr marL="857250" lvl="1" indent="-457200">
+              <a:buFont typeface="Arial" panose="020B0604020202020204" pitchFamily="34" charset="0"/>
+              <a:buChar char="•"/>
+            </a:pPr>
+            <a:r>
+              <a:rPr lang="en-US" sz="2400" dirty="0" smtClean="0">
+                <a:latin typeface="Calibri" panose="020F0502020204030204" pitchFamily="34" charset="0"/>
+              </a:rPr>
+              <a:t>Describes a class of architecture or </a:t>
+            </a:r>
+            <a:r>
+              <a:rPr lang="en-US" sz="2400" dirty="0" err="1" smtClean="0">
+                <a:latin typeface="Calibri" panose="020F0502020204030204" pitchFamily="34" charset="0"/>
+              </a:rPr>
+              <a:t>signigicant</a:t>
+            </a:r>
+            <a:r>
+              <a:rPr lang="en-US" sz="2400" dirty="0" smtClean="0">
+                <a:latin typeface="Calibri" panose="020F0502020204030204" pitchFamily="34" charset="0"/>
+              </a:rPr>
+              <a:t> architecture pieces</a:t>
+            </a:r>
+          </a:p>
+          <a:p>
+            <a:pPr marL="857250" lvl="1" indent="-457200">
+              <a:buFont typeface="Arial" panose="020B0604020202020204" pitchFamily="34" charset="0"/>
+              <a:buChar char="•"/>
+            </a:pPr>
+            <a:r>
+              <a:rPr lang="en-US" sz="2400" b="0" dirty="0" smtClean="0">
+                <a:solidFill>
+                  <a:srgbClr val="31668B"/>
+                </a:solidFill>
+                <a:latin typeface="Calibri" panose="020F0502020204030204" pitchFamily="34" charset="0"/>
+              </a:rPr>
+              <a:t>Is found repeatedly in practice</a:t>
+            </a:r>
+          </a:p>
+          <a:p>
+            <a:pPr marL="857250" lvl="1" indent="-457200">
+              <a:buFont typeface="Arial" panose="020B0604020202020204" pitchFamily="34" charset="0"/>
+              <a:buChar char="•"/>
+            </a:pPr>
+            <a:r>
+              <a:rPr lang="en-US" sz="2400" dirty="0" smtClean="0">
+                <a:latin typeface="Calibri" panose="020F0502020204030204" pitchFamily="34" charset="0"/>
+              </a:rPr>
+              <a:t>Is a coherent package of design decisions</a:t>
+            </a:r>
+          </a:p>
+          <a:p>
+            <a:pPr marL="857250" lvl="1" indent="-457200">
+              <a:buFont typeface="Arial" panose="020B0604020202020204" pitchFamily="34" charset="0"/>
+              <a:buChar char="•"/>
+            </a:pPr>
+            <a:r>
+              <a:rPr lang="en-US" sz="2400" b="0" dirty="0" smtClean="0">
+                <a:solidFill>
+                  <a:srgbClr val="31668B"/>
+                </a:solidFill>
+                <a:latin typeface="Calibri" panose="020F0502020204030204" pitchFamily="34" charset="0"/>
+              </a:rPr>
+              <a:t>Has known properties the permit reuse.</a:t>
+            </a:r>
+          </a:p>
+          <a:p>
+            <a:pPr marL="400050" lvl="1" indent="0">
+              <a:buNone/>
+            </a:pPr>
+            <a:r>
+              <a:rPr lang="en-US" sz="1800" dirty="0" smtClean="0">
+                <a:latin typeface="Calibri" panose="020F0502020204030204" pitchFamily="34" charset="0"/>
+              </a:rPr>
+              <a:t>[Clements, </a:t>
+            </a:r>
+            <a:r>
+              <a:rPr lang="en-US" sz="1800" dirty="0" err="1" smtClean="0">
+                <a:latin typeface="Calibri" panose="020F0502020204030204" pitchFamily="34" charset="0"/>
+              </a:rPr>
+              <a:t>Kazman</a:t>
+            </a:r>
+            <a:r>
+              <a:rPr lang="en-US" sz="1800" dirty="0" smtClean="0">
+                <a:latin typeface="Calibri" panose="020F0502020204030204" pitchFamily="34" charset="0"/>
+              </a:rPr>
+              <a:t>, &amp; Klein], “Evaluating Software Architecture”, 2002]</a:t>
+            </a:r>
+            <a:endParaRPr lang="en-US" sz="1600" b="0" dirty="0" smtClean="0">
+              <a:solidFill>
+                <a:srgbClr val="31668B"/>
+              </a:solidFill>
+              <a:latin typeface="Calibri" panose="020F0502020204030204" pitchFamily="34" charset="0"/>
+            </a:endParaRPr>
+          </a:p>
+          <a:p>
+            <a:pPr marL="457200" indent="-457200">
+              <a:buFont typeface="Arial" panose="020B0604020202020204" pitchFamily="34" charset="0"/>
+              <a:buChar char="•"/>
+            </a:pPr>
+            <a:r>
+              <a:rPr lang="en-US" b="0" dirty="0" smtClean="0">
+                <a:solidFill>
+                  <a:srgbClr val="31668B"/>
+                </a:solidFill>
+                <a:latin typeface="Calibri" panose="020F0502020204030204" pitchFamily="34" charset="0"/>
+              </a:rPr>
+              <a:t>In other words, architecture styles are like “design patterns” for the </a:t>
+            </a:r>
+            <a:r>
+              <a:rPr lang="en-US" dirty="0" smtClean="0">
+                <a:solidFill>
+                  <a:srgbClr val="31668B"/>
+                </a:solidFill>
+                <a:latin typeface="Calibri" panose="020F0502020204030204" pitchFamily="34" charset="0"/>
+              </a:rPr>
+              <a:t>structure</a:t>
+            </a:r>
+            <a:r>
+              <a:rPr lang="en-US" b="0" dirty="0" smtClean="0">
+                <a:solidFill>
+                  <a:srgbClr val="31668B"/>
+                </a:solidFill>
+                <a:latin typeface="Calibri" panose="020F0502020204030204" pitchFamily="34" charset="0"/>
+              </a:rPr>
+              <a:t> and </a:t>
+            </a:r>
+            <a:r>
+              <a:rPr lang="en-US" dirty="0" smtClean="0">
+                <a:solidFill>
+                  <a:srgbClr val="31668B"/>
+                </a:solidFill>
+                <a:latin typeface="Calibri" panose="020F0502020204030204" pitchFamily="34" charset="0"/>
+              </a:rPr>
+              <a:t>interconnection</a:t>
+            </a:r>
+            <a:r>
+              <a:rPr lang="en-US" b="0" dirty="0" smtClean="0">
+                <a:solidFill>
+                  <a:srgbClr val="31668B"/>
+                </a:solidFill>
+                <a:latin typeface="Calibri" panose="020F0502020204030204" pitchFamily="34" charset="0"/>
+              </a:rPr>
+              <a:t> within and between software systems</a:t>
+            </a:r>
+            <a:endParaRPr lang="en-US" sz="1800" b="0" dirty="0"/>
+          </a:p>
+        </p:txBody>
+      </p:sp>
+    </p:spTree>
+    <p:extLst>
+      <p:ext uri="{BB962C8B-B14F-4D97-AF65-F5344CB8AC3E}">
+        <p14:creationId xmlns:p14="http://schemas.microsoft.com/office/powerpoint/2010/main" val="1626425297"/>
+      </p:ext>
+    </p:extLst>
+  </p:cSld>
+  <p:clrMapOvr>
+    <a:masterClrMapping/>
+  </p:clrMapOvr>
+  <p:transition/>
+  <p:timing>
+    <p:tnLst>
+      <p:par>
+        <p:cTn id="1" dur="indefinite" restart="never" nodeType="tmRoot"/>
+      </p:par>
+    </p:tnLst>
+  </p:timing>
+</p:sld>
+</file>
+
+<file path=ppt/slides/slide7.xml><?xml version="1.0" encoding="utf-8"?>
 <p:sld xmlns:a="http://schemas.openxmlformats.org/drawingml/2006/main" xmlns:r="http://schemas.openxmlformats.org/officeDocument/2006/relationships" xmlns:p="http://schemas.openxmlformats.org/presentationml/2006/main">
   <p:cSld>
     <p:spTree>
@@ -6337,7 +8592,7 @@
 </p:sld>
 </file>
 
-<file path=ppt/slides/slide6.xml><?xml version="1.0" encoding="utf-8"?>
+<file path=ppt/slides/slide8.xml><?xml version="1.0" encoding="utf-8"?>
 <p:sld xmlns:a="http://schemas.openxmlformats.org/drawingml/2006/main" xmlns:r="http://schemas.openxmlformats.org/officeDocument/2006/relationships" xmlns:p="http://schemas.openxmlformats.org/presentationml/2006/main">
   <p:cSld>
     <p:spTree>
@@ -6370,9 +8625,717 @@
           <a:lstStyle/>
           <a:p>
             <a:r>
-              <a:rPr lang="en-US" dirty="0"/>
-              <a:t>HATEOAS</a:t>
-            </a:r>
+              <a:rPr lang="en-US" dirty="0" smtClean="0"/>
+              <a:t>Distributed System Architectural Style</a:t>
+            </a:r>
+            <a:endParaRPr lang="en-US" dirty="0"/>
+          </a:p>
+        </p:txBody>
+      </p:sp>
+      <p:sp>
+        <p:nvSpPr>
+          <p:cNvPr id="5" name="Text Placeholder 2"/>
+          <p:cNvSpPr>
+            <a:spLocks noGrp="1"/>
+          </p:cNvSpPr>
+          <p:nvPr>
+            <p:ph type="body" idx="1"/>
+          </p:nvPr>
+        </p:nvSpPr>
+        <p:spPr>
+          <a:xfrm>
+            <a:off x="457200" y="1535113"/>
+            <a:ext cx="4040188" cy="639762"/>
+          </a:xfrm>
+        </p:spPr>
+        <p:txBody>
+          <a:bodyPr/>
+          <a:lstStyle/>
+          <a:p>
+            <a:r>
+              <a:rPr lang="en-US" dirty="0" smtClean="0"/>
+              <a:t>Request / Response</a:t>
+            </a:r>
+            <a:endParaRPr lang="en-US" dirty="0"/>
+          </a:p>
+        </p:txBody>
+      </p:sp>
+      <p:sp>
+        <p:nvSpPr>
+          <p:cNvPr id="7" name="Text Placeholder 4"/>
+          <p:cNvSpPr txBox="1">
+            <a:spLocks/>
+          </p:cNvSpPr>
+          <p:nvPr/>
+        </p:nvSpPr>
+        <p:spPr>
+          <a:xfrm>
+            <a:off x="4873625" y="1535113"/>
+            <a:ext cx="4041775" cy="639762"/>
+          </a:xfrm>
+          <a:prstGeom prst="rect">
+            <a:avLst/>
+          </a:prstGeom>
+        </p:spPr>
+        <p:txBody>
+          <a:bodyPr/>
+          <a:lstStyle>
+            <a:lvl1pPr marL="342900" indent="-342900" algn="l" defTabSz="-13873163" rtl="0" eaLnBrk="0" fontAlgn="base" hangingPunct="0">
+              <a:spcBef>
+                <a:spcPct val="20000"/>
+              </a:spcBef>
+              <a:spcAft>
+                <a:spcPct val="0"/>
+              </a:spcAft>
+              <a:buClr>
+                <a:srgbClr val="D8771F"/>
+              </a:buClr>
+              <a:defRPr sz="2400" b="1">
+                <a:solidFill>
+                  <a:srgbClr val="D8771F"/>
+                </a:solidFill>
+                <a:latin typeface="+mn-lt"/>
+                <a:ea typeface="+mn-ea"/>
+                <a:cs typeface="+mn-cs"/>
+              </a:defRPr>
+            </a:lvl1pPr>
+            <a:lvl2pPr marL="742950" indent="-285750" algn="l" defTabSz="-13873163" rtl="0" eaLnBrk="0" fontAlgn="base" hangingPunct="0">
+              <a:spcBef>
+                <a:spcPct val="20000"/>
+              </a:spcBef>
+              <a:spcAft>
+                <a:spcPct val="0"/>
+              </a:spcAft>
+              <a:buClr>
+                <a:srgbClr val="D8771F"/>
+              </a:buClr>
+              <a:buChar char="•"/>
+              <a:defRPr sz="2000">
+                <a:solidFill>
+                  <a:srgbClr val="31668B"/>
+                </a:solidFill>
+                <a:latin typeface="+mn-lt"/>
+              </a:defRPr>
+            </a:lvl2pPr>
+            <a:lvl3pPr marL="1143000" indent="-228600" algn="l" defTabSz="-13873163" rtl="0" eaLnBrk="0" fontAlgn="base" hangingPunct="0">
+              <a:spcBef>
+                <a:spcPct val="20000"/>
+              </a:spcBef>
+              <a:spcAft>
+                <a:spcPct val="0"/>
+              </a:spcAft>
+              <a:buClr>
+                <a:srgbClr val="D8771F"/>
+              </a:buClr>
+              <a:buChar char="•"/>
+              <a:defRPr sz="1800">
+                <a:solidFill>
+                  <a:srgbClr val="5F5F5F"/>
+                </a:solidFill>
+                <a:latin typeface="+mn-lt"/>
+              </a:defRPr>
+            </a:lvl3pPr>
+            <a:lvl4pPr marL="1600200" indent="-228600" algn="l" defTabSz="-13873163" rtl="0" eaLnBrk="0" fontAlgn="base" hangingPunct="0">
+              <a:spcBef>
+                <a:spcPct val="20000"/>
+              </a:spcBef>
+              <a:spcAft>
+                <a:spcPct val="0"/>
+              </a:spcAft>
+              <a:buClr>
+                <a:srgbClr val="D8771F"/>
+              </a:buClr>
+              <a:buChar char="•"/>
+              <a:defRPr>
+                <a:solidFill>
+                  <a:srgbClr val="5F5F5F"/>
+                </a:solidFill>
+                <a:latin typeface="+mn-lt"/>
+              </a:defRPr>
+            </a:lvl4pPr>
+            <a:lvl5pPr marL="2057400" indent="-228600" algn="l" defTabSz="-13873163" rtl="0" eaLnBrk="0" fontAlgn="base" hangingPunct="0">
+              <a:spcBef>
+                <a:spcPct val="20000"/>
+              </a:spcBef>
+              <a:spcAft>
+                <a:spcPct val="0"/>
+              </a:spcAft>
+              <a:buClr>
+                <a:srgbClr val="D8771F"/>
+              </a:buClr>
+              <a:buChar char="•"/>
+              <a:defRPr sz="1600">
+                <a:solidFill>
+                  <a:srgbClr val="5F5F5F"/>
+                </a:solidFill>
+                <a:latin typeface="+mn-lt"/>
+              </a:defRPr>
+            </a:lvl5pPr>
+            <a:lvl6pPr marL="2514600" indent="-228600" algn="l" fontAlgn="base">
+              <a:spcBef>
+                <a:spcPct val="20000"/>
+              </a:spcBef>
+              <a:spcAft>
+                <a:spcPct val="0"/>
+              </a:spcAft>
+              <a:buChar char="»"/>
+              <a:defRPr sz="2000">
+                <a:solidFill>
+                  <a:schemeClr val="tx1">
+                    <a:alpha val="100000"/>
+                  </a:schemeClr>
+                </a:solidFill>
+                <a:latin typeface="+mn-lt"/>
+              </a:defRPr>
+            </a:lvl6pPr>
+            <a:lvl7pPr marL="2971800" indent="-228600" algn="l" fontAlgn="base">
+              <a:spcBef>
+                <a:spcPct val="20000"/>
+              </a:spcBef>
+              <a:spcAft>
+                <a:spcPct val="0"/>
+              </a:spcAft>
+              <a:buChar char="»"/>
+              <a:defRPr sz="2000">
+                <a:solidFill>
+                  <a:schemeClr val="tx1">
+                    <a:alpha val="100000"/>
+                  </a:schemeClr>
+                </a:solidFill>
+                <a:latin typeface="+mn-lt"/>
+              </a:defRPr>
+            </a:lvl7pPr>
+            <a:lvl8pPr marL="3429000" indent="-228600" algn="l" fontAlgn="base">
+              <a:spcBef>
+                <a:spcPct val="20000"/>
+              </a:spcBef>
+              <a:spcAft>
+                <a:spcPct val="0"/>
+              </a:spcAft>
+              <a:buChar char="»"/>
+              <a:defRPr sz="2000">
+                <a:solidFill>
+                  <a:schemeClr val="tx1">
+                    <a:alpha val="100000"/>
+                  </a:schemeClr>
+                </a:solidFill>
+                <a:latin typeface="+mn-lt"/>
+              </a:defRPr>
+            </a:lvl8pPr>
+            <a:lvl9pPr marL="3886200" indent="-228600" algn="l" fontAlgn="base">
+              <a:spcBef>
+                <a:spcPct val="20000"/>
+              </a:spcBef>
+              <a:spcAft>
+                <a:spcPct val="0"/>
+              </a:spcAft>
+              <a:buChar char="»"/>
+              <a:defRPr sz="2000">
+                <a:solidFill>
+                  <a:schemeClr val="tx1">
+                    <a:alpha val="100000"/>
+                  </a:schemeClr>
+                </a:solidFill>
+                <a:latin typeface="+mn-lt"/>
+              </a:defRPr>
+            </a:lvl9pPr>
+          </a:lstStyle>
+          <a:p>
+            <a:r>
+              <a:rPr lang="en-US" kern="0" dirty="0" smtClean="0"/>
+              <a:t>Message Passing</a:t>
+            </a:r>
+            <a:endParaRPr lang="en-US" kern="0" dirty="0"/>
+          </a:p>
+        </p:txBody>
+      </p:sp>
+      <p:cxnSp>
+        <p:nvCxnSpPr>
+          <p:cNvPr id="11" name="Straight Connector 10"/>
+          <p:cNvCxnSpPr/>
+          <p:nvPr/>
+        </p:nvCxnSpPr>
+        <p:spPr>
+          <a:xfrm>
+            <a:off x="4648200" y="1600200"/>
+            <a:ext cx="0" cy="4618093"/>
+          </a:xfrm>
+          <a:prstGeom prst="line">
+            <a:avLst/>
+          </a:prstGeom>
+        </p:spPr>
+        <p:style>
+          <a:lnRef idx="1">
+            <a:schemeClr val="accent1"/>
+          </a:lnRef>
+          <a:fillRef idx="0">
+            <a:schemeClr val="accent1"/>
+          </a:fillRef>
+          <a:effectRef idx="0">
+            <a:schemeClr val="accent1"/>
+          </a:effectRef>
+          <a:fontRef idx="minor">
+            <a:schemeClr val="tx1"/>
+          </a:fontRef>
+        </p:style>
+      </p:cxnSp>
+      <p:sp>
+        <p:nvSpPr>
+          <p:cNvPr id="3" name="TextBox 2"/>
+          <p:cNvSpPr txBox="1"/>
+          <p:nvPr/>
+        </p:nvSpPr>
+        <p:spPr>
+          <a:xfrm>
+            <a:off x="457200" y="2286000"/>
+            <a:ext cx="4040188" cy="3416320"/>
+          </a:xfrm>
+          <a:prstGeom prst="rect">
+            <a:avLst/>
+          </a:prstGeom>
+          <a:noFill/>
+        </p:spPr>
+        <p:txBody>
+          <a:bodyPr wrap="square" rtlCol="0">
+            <a:spAutoFit/>
+          </a:bodyPr>
+          <a:lstStyle/>
+          <a:p>
+            <a:pPr marL="285750" indent="-285750">
+              <a:buFont typeface="Arial" panose="020B0604020202020204" pitchFamily="34" charset="0"/>
+              <a:buChar char="•"/>
+            </a:pPr>
+            <a:r>
+              <a:rPr lang="en-US" dirty="0" smtClean="0">
+                <a:solidFill>
+                  <a:srgbClr val="31668B"/>
+                </a:solidFill>
+                <a:latin typeface="Calibri" panose="020F0502020204030204" pitchFamily="34" charset="0"/>
+              </a:rPr>
+              <a:t>Call Oriented</a:t>
+            </a:r>
+          </a:p>
+          <a:p>
+            <a:pPr marL="285750" indent="-285750">
+              <a:buFont typeface="Arial" panose="020B0604020202020204" pitchFamily="34" charset="0"/>
+              <a:buChar char="•"/>
+            </a:pPr>
+            <a:endParaRPr lang="en-US" dirty="0" smtClean="0">
+              <a:solidFill>
+                <a:srgbClr val="31668B"/>
+              </a:solidFill>
+              <a:latin typeface="Calibri" panose="020F0502020204030204" pitchFamily="34" charset="0"/>
+            </a:endParaRPr>
+          </a:p>
+          <a:p>
+            <a:pPr marL="285750" indent="-285750">
+              <a:buFont typeface="Arial" panose="020B0604020202020204" pitchFamily="34" charset="0"/>
+              <a:buChar char="•"/>
+            </a:pPr>
+            <a:r>
+              <a:rPr lang="en-US" dirty="0" smtClean="0">
+                <a:solidFill>
+                  <a:srgbClr val="31668B"/>
+                </a:solidFill>
+                <a:latin typeface="Calibri" panose="020F0502020204030204" pitchFamily="34" charset="0"/>
+              </a:rPr>
+              <a:t>Usually synchronous in nature</a:t>
+            </a:r>
+          </a:p>
+          <a:p>
+            <a:pPr marL="285750" indent="-285750">
+              <a:buFont typeface="Arial" panose="020B0604020202020204" pitchFamily="34" charset="0"/>
+              <a:buChar char="•"/>
+            </a:pPr>
+            <a:endParaRPr lang="en-US" dirty="0">
+              <a:solidFill>
+                <a:srgbClr val="31668B"/>
+              </a:solidFill>
+              <a:latin typeface="Calibri" panose="020F0502020204030204" pitchFamily="34" charset="0"/>
+            </a:endParaRPr>
+          </a:p>
+          <a:p>
+            <a:pPr marL="285750" indent="-285750">
+              <a:buFont typeface="Arial" panose="020B0604020202020204" pitchFamily="34" charset="0"/>
+              <a:buChar char="•"/>
+            </a:pPr>
+            <a:r>
+              <a:rPr lang="en-US" dirty="0" smtClean="0">
+                <a:solidFill>
+                  <a:srgbClr val="31668B"/>
+                </a:solidFill>
+                <a:latin typeface="Calibri" panose="020F0502020204030204" pitchFamily="34" charset="0"/>
+              </a:rPr>
+              <a:t>Operations have an input parameter and output</a:t>
+            </a:r>
+          </a:p>
+          <a:p>
+            <a:pPr marL="285750" indent="-285750">
+              <a:buFont typeface="Arial" panose="020B0604020202020204" pitchFamily="34" charset="0"/>
+              <a:buChar char="•"/>
+            </a:pPr>
+            <a:endParaRPr lang="en-US" dirty="0">
+              <a:solidFill>
+                <a:srgbClr val="31668B"/>
+              </a:solidFill>
+              <a:latin typeface="Calibri" panose="020F0502020204030204" pitchFamily="34" charset="0"/>
+            </a:endParaRPr>
+          </a:p>
+          <a:p>
+            <a:pPr marL="285750" indent="-285750">
+              <a:buFont typeface="Arial" panose="020B0604020202020204" pitchFamily="34" charset="0"/>
+              <a:buChar char="•"/>
+            </a:pPr>
+            <a:r>
+              <a:rPr lang="en-US" dirty="0" smtClean="0">
+                <a:solidFill>
+                  <a:srgbClr val="31668B"/>
+                </a:solidFill>
+                <a:latin typeface="Calibri" panose="020F0502020204030204" pitchFamily="34" charset="0"/>
+              </a:rPr>
+              <a:t>Focus on operation being invoked</a:t>
+            </a:r>
+          </a:p>
+          <a:p>
+            <a:pPr marL="285750" indent="-285750">
+              <a:buFont typeface="Arial" panose="020B0604020202020204" pitchFamily="34" charset="0"/>
+              <a:buChar char="•"/>
+            </a:pPr>
+            <a:r>
+              <a:rPr lang="en-US" dirty="0" smtClean="0">
+                <a:solidFill>
+                  <a:srgbClr val="31668B"/>
+                </a:solidFill>
+                <a:latin typeface="Calibri" panose="020F0502020204030204" pitchFamily="34" charset="0"/>
+              </a:rPr>
+              <a:t>Three main types</a:t>
+            </a:r>
+          </a:p>
+          <a:p>
+            <a:pPr marL="742950" lvl="1" indent="-285750">
+              <a:buFont typeface="Arial" panose="020B0604020202020204" pitchFamily="34" charset="0"/>
+              <a:buChar char="•"/>
+            </a:pPr>
+            <a:r>
+              <a:rPr lang="en-US" dirty="0" smtClean="0">
+                <a:solidFill>
+                  <a:srgbClr val="31668B"/>
+                </a:solidFill>
+                <a:latin typeface="Calibri" panose="020F0502020204030204" pitchFamily="34" charset="0"/>
+              </a:rPr>
+              <a:t>Object-oriented</a:t>
+            </a:r>
+          </a:p>
+          <a:p>
+            <a:pPr marL="742950" lvl="1" indent="-285750">
+              <a:buFont typeface="Arial" panose="020B0604020202020204" pitchFamily="34" charset="0"/>
+              <a:buChar char="•"/>
+            </a:pPr>
+            <a:r>
+              <a:rPr lang="en-US" dirty="0" smtClean="0">
+                <a:solidFill>
+                  <a:srgbClr val="31668B"/>
+                </a:solidFill>
+                <a:latin typeface="Calibri" panose="020F0502020204030204" pitchFamily="34" charset="0"/>
+              </a:rPr>
+              <a:t>Resource-oriented</a:t>
+            </a:r>
+          </a:p>
+          <a:p>
+            <a:pPr marL="742950" lvl="1" indent="-285750">
+              <a:buFont typeface="Arial" panose="020B0604020202020204" pitchFamily="34" charset="0"/>
+              <a:buChar char="•"/>
+            </a:pPr>
+            <a:r>
+              <a:rPr lang="en-US" dirty="0" smtClean="0">
+                <a:solidFill>
+                  <a:srgbClr val="31668B"/>
+                </a:solidFill>
+                <a:latin typeface="Calibri" panose="020F0502020204030204" pitchFamily="34" charset="0"/>
+              </a:rPr>
+              <a:t>Service-oriented</a:t>
+            </a:r>
+            <a:endParaRPr lang="en-US" dirty="0">
+              <a:solidFill>
+                <a:srgbClr val="31668B"/>
+              </a:solidFill>
+              <a:latin typeface="Calibri" panose="020F0502020204030204" pitchFamily="34" charset="0"/>
+            </a:endParaRPr>
+          </a:p>
+        </p:txBody>
+      </p:sp>
+      <p:sp>
+        <p:nvSpPr>
+          <p:cNvPr id="4" name="TextBox 3"/>
+          <p:cNvSpPr txBox="1"/>
+          <p:nvPr/>
+        </p:nvSpPr>
+        <p:spPr>
+          <a:xfrm>
+            <a:off x="4873625" y="2174875"/>
+            <a:ext cx="4041775" cy="3416320"/>
+          </a:xfrm>
+          <a:prstGeom prst="rect">
+            <a:avLst/>
+          </a:prstGeom>
+          <a:noFill/>
+        </p:spPr>
+        <p:txBody>
+          <a:bodyPr wrap="square" rtlCol="0">
+            <a:spAutoFit/>
+          </a:bodyPr>
+          <a:lstStyle/>
+          <a:p>
+            <a:pPr marL="285750" indent="-285750">
+              <a:buFont typeface="Arial" panose="020B0604020202020204" pitchFamily="34" charset="0"/>
+              <a:buChar char="•"/>
+            </a:pPr>
+            <a:r>
+              <a:rPr lang="en-US" dirty="0" smtClean="0">
+                <a:solidFill>
+                  <a:srgbClr val="31668B"/>
+                </a:solidFill>
+                <a:latin typeface="Calibri" panose="020F0502020204030204" pitchFamily="34" charset="0"/>
+              </a:rPr>
+              <a:t>Data oriented systems</a:t>
+            </a:r>
+          </a:p>
+          <a:p>
+            <a:pPr marL="285750" indent="-285750">
+              <a:buFont typeface="Arial" panose="020B0604020202020204" pitchFamily="34" charset="0"/>
+              <a:buChar char="•"/>
+            </a:pPr>
+            <a:endParaRPr lang="en-US" dirty="0" smtClean="0">
+              <a:solidFill>
+                <a:srgbClr val="31668B"/>
+              </a:solidFill>
+              <a:latin typeface="Calibri" panose="020F0502020204030204" pitchFamily="34" charset="0"/>
+            </a:endParaRPr>
+          </a:p>
+          <a:p>
+            <a:pPr marL="285750" indent="-285750">
+              <a:buFont typeface="Arial" panose="020B0604020202020204" pitchFamily="34" charset="0"/>
+              <a:buChar char="•"/>
+            </a:pPr>
+            <a:r>
+              <a:rPr lang="en-US" dirty="0" smtClean="0">
+                <a:solidFill>
+                  <a:srgbClr val="31668B"/>
+                </a:solidFill>
+                <a:latin typeface="Calibri" panose="020F0502020204030204" pitchFamily="34" charset="0"/>
+              </a:rPr>
+              <a:t>Usually asynchronous in nature</a:t>
+            </a:r>
+          </a:p>
+          <a:p>
+            <a:pPr marL="285750" indent="-285750">
+              <a:buFont typeface="Arial" panose="020B0604020202020204" pitchFamily="34" charset="0"/>
+              <a:buChar char="•"/>
+            </a:pPr>
+            <a:endParaRPr lang="en-US" dirty="0">
+              <a:solidFill>
+                <a:srgbClr val="31668B"/>
+              </a:solidFill>
+              <a:latin typeface="Calibri" panose="020F0502020204030204" pitchFamily="34" charset="0"/>
+            </a:endParaRPr>
+          </a:p>
+          <a:p>
+            <a:pPr marL="285750" indent="-285750">
+              <a:buFont typeface="Arial" panose="020B0604020202020204" pitchFamily="34" charset="0"/>
+              <a:buChar char="•"/>
+            </a:pPr>
+            <a:r>
+              <a:rPr lang="en-US" dirty="0" smtClean="0">
+                <a:solidFill>
+                  <a:srgbClr val="31668B"/>
+                </a:solidFill>
+                <a:latin typeface="Calibri" panose="020F0502020204030204" pitchFamily="34" charset="0"/>
+              </a:rPr>
+              <a:t>Messages are constructed and sent to a destination</a:t>
+            </a:r>
+          </a:p>
+          <a:p>
+            <a:pPr marL="285750" indent="-285750">
+              <a:buFont typeface="Arial" panose="020B0604020202020204" pitchFamily="34" charset="0"/>
+              <a:buChar char="•"/>
+            </a:pPr>
+            <a:endParaRPr lang="en-US" dirty="0">
+              <a:solidFill>
+                <a:srgbClr val="31668B"/>
+              </a:solidFill>
+              <a:latin typeface="Calibri" panose="020F0502020204030204" pitchFamily="34" charset="0"/>
+            </a:endParaRPr>
+          </a:p>
+          <a:p>
+            <a:pPr marL="285750" indent="-285750">
+              <a:buFont typeface="Arial" panose="020B0604020202020204" pitchFamily="34" charset="0"/>
+              <a:buChar char="•"/>
+            </a:pPr>
+            <a:r>
+              <a:rPr lang="en-US" dirty="0" smtClean="0">
+                <a:solidFill>
+                  <a:srgbClr val="31668B"/>
+                </a:solidFill>
+                <a:latin typeface="Calibri" panose="020F0502020204030204" pitchFamily="34" charset="0"/>
+              </a:rPr>
+              <a:t>Focus on message payload , dispatching messages, and where to send them</a:t>
+            </a:r>
+          </a:p>
+          <a:p>
+            <a:pPr marL="285750" indent="-285750">
+              <a:buFont typeface="Arial" panose="020B0604020202020204" pitchFamily="34" charset="0"/>
+              <a:buChar char="•"/>
+            </a:pPr>
+            <a:endParaRPr lang="en-US" dirty="0">
+              <a:solidFill>
+                <a:srgbClr val="31668B"/>
+              </a:solidFill>
+              <a:latin typeface="Calibri" panose="020F0502020204030204" pitchFamily="34" charset="0"/>
+            </a:endParaRPr>
+          </a:p>
+          <a:p>
+            <a:pPr marL="285750" indent="-285750">
+              <a:buFont typeface="Arial" panose="020B0604020202020204" pitchFamily="34" charset="0"/>
+              <a:buChar char="•"/>
+            </a:pPr>
+            <a:r>
+              <a:rPr lang="en-US" dirty="0" smtClean="0">
+                <a:solidFill>
+                  <a:srgbClr val="31668B"/>
+                </a:solidFill>
+                <a:latin typeface="Calibri" panose="020F0502020204030204" pitchFamily="34" charset="0"/>
+              </a:rPr>
+              <a:t>No focus on getting a reply</a:t>
+            </a:r>
+            <a:endParaRPr lang="en-US" dirty="0">
+              <a:solidFill>
+                <a:srgbClr val="31668B"/>
+              </a:solidFill>
+              <a:latin typeface="Calibri" panose="020F0502020204030204" pitchFamily="34" charset="0"/>
+            </a:endParaRPr>
+          </a:p>
+        </p:txBody>
+      </p:sp>
+      <p:sp>
+        <p:nvSpPr>
+          <p:cNvPr id="12" name="TextBox 11"/>
+          <p:cNvSpPr txBox="1"/>
+          <p:nvPr/>
+        </p:nvSpPr>
+        <p:spPr>
+          <a:xfrm>
+            <a:off x="152400" y="6144752"/>
+            <a:ext cx="7162800" cy="553998"/>
+          </a:xfrm>
+          <a:prstGeom prst="rect">
+            <a:avLst/>
+          </a:prstGeom>
+          <a:noFill/>
+        </p:spPr>
+        <p:txBody>
+          <a:bodyPr wrap="square" rtlCol="0">
+            <a:spAutoFit/>
+          </a:bodyPr>
+          <a:lstStyle/>
+          <a:p>
+            <a:r>
+              <a:rPr lang="en-US" sz="1000" dirty="0">
+                <a:hlinkClick r:id="rId2"/>
+              </a:rPr>
+              <a:t>http://</a:t>
+            </a:r>
+            <a:r>
+              <a:rPr lang="en-US" sz="1000" dirty="0" smtClean="0">
+                <a:hlinkClick r:id="rId2"/>
+              </a:rPr>
+              <a:t>www.slideshare.net/jthelin/3-architecture-styles-presentation</a:t>
+            </a:r>
+            <a:endParaRPr lang="en-US" sz="1000" dirty="0" smtClean="0"/>
+          </a:p>
+          <a:p>
+            <a:r>
+              <a:rPr lang="en-US" sz="1000" dirty="0">
+                <a:hlinkClick r:id="rId3"/>
+              </a:rPr>
+              <a:t>http://</a:t>
+            </a:r>
+            <a:r>
+              <a:rPr lang="en-US" sz="1000" dirty="0" smtClean="0">
+                <a:hlinkClick r:id="rId3"/>
+              </a:rPr>
+              <a:t>www.xfront.com/REST.html</a:t>
+            </a:r>
+            <a:endParaRPr lang="en-US" sz="1000" dirty="0" smtClean="0"/>
+          </a:p>
+          <a:p>
+            <a:r>
+              <a:rPr lang="en-US" sz="1000" dirty="0">
+                <a:hlinkClick r:id="rId4"/>
+              </a:rPr>
+              <a:t>http://martinfowler.com/articles/richardsonMaturityModel.html</a:t>
+            </a:r>
+            <a:endParaRPr lang="en-US" sz="1000" dirty="0"/>
+          </a:p>
+        </p:txBody>
+      </p:sp>
+    </p:spTree>
+    <p:extLst>
+      <p:ext uri="{BB962C8B-B14F-4D97-AF65-F5344CB8AC3E}">
+        <p14:creationId xmlns:p14="http://schemas.microsoft.com/office/powerpoint/2010/main" val="2193320862"/>
+      </p:ext>
+    </p:extLst>
+  </p:cSld>
+  <p:clrMapOvr>
+    <a:masterClrMapping/>
+  </p:clrMapOvr>
+  <p:transition/>
+  <p:timing>
+    <p:tnLst>
+      <p:par>
+        <p:cTn id="1" dur="indefinite" restart="never" nodeType="tmRoot"/>
+      </p:par>
+    </p:tnLst>
+  </p:timing>
+</p:sld>
+</file>
+
+<file path=ppt/slides/slide9.xml><?xml version="1.0" encoding="utf-8"?>
+<p:sld xmlns:a="http://schemas.openxmlformats.org/drawingml/2006/main" xmlns:r="http://schemas.openxmlformats.org/officeDocument/2006/relationships" xmlns:p="http://schemas.openxmlformats.org/presentationml/2006/main">
+  <p:cSld>
+    <p:spTree>
+      <p:nvGrpSpPr>
+        <p:cNvPr id="1" name=""/>
+        <p:cNvGrpSpPr/>
+        <p:nvPr/>
+      </p:nvGrpSpPr>
+      <p:grpSpPr>
+        <a:xfrm>
+          <a:off x="0" y="0"/>
+          <a:ext cx="0" cy="0"/>
+          <a:chOff x="0" y="0"/>
+          <a:chExt cx="0" cy="0"/>
+        </a:xfrm>
+      </p:grpSpPr>
+      <p:sp>
+        <p:nvSpPr>
+          <p:cNvPr id="2" name="Title 1"/>
+          <p:cNvSpPr>
+            <a:spLocks noGrp="1"/>
+          </p:cNvSpPr>
+          <p:nvPr>
+            <p:ph type="title"/>
+          </p:nvPr>
+        </p:nvSpPr>
+        <p:spPr/>
+        <p:txBody>
+          <a:bodyPr/>
+          <a:lstStyle/>
+          <a:p>
+            <a:r>
+              <a:rPr lang="en-US" dirty="0" smtClean="0"/>
+              <a:t>REST Style Definition</a:t>
+            </a:r>
+            <a:endParaRPr lang="en-US" dirty="0"/>
           </a:p>
         </p:txBody>
       </p:sp>
@@ -6391,138 +9354,81 @@
           <a:bodyPr/>
           <a:lstStyle/>
           <a:p>
-            <a:r>
-              <a:rPr lang="en-US" u="sng" dirty="0">
+            <a:pPr>
+              <a:buFont typeface="Arial" panose="020B0604020202020204" pitchFamily="34" charset="0"/>
+              <a:buChar char="•"/>
+            </a:pPr>
+            <a:r>
+              <a:rPr lang="en-US" b="0" dirty="0">
                 <a:solidFill>
                   <a:srgbClr val="31668B"/>
                 </a:solidFill>
+                <a:latin typeface="Calibri" panose="020F0502020204030204" pitchFamily="34" charset="0"/>
               </a:rPr>
-              <a:t>H</a:t>
-            </a:r>
-            <a:r>
-              <a:rPr lang="en-US" dirty="0">
+              <a:t>Uniform Interface - Central feature</a:t>
+            </a:r>
+          </a:p>
+          <a:p>
+            <a:pPr>
+              <a:buFont typeface="Arial" panose="020B0604020202020204" pitchFamily="34" charset="0"/>
+              <a:buChar char="•"/>
+            </a:pPr>
+            <a:r>
+              <a:rPr lang="en-US" b="0" dirty="0">
                 <a:solidFill>
                   <a:srgbClr val="31668B"/>
                 </a:solidFill>
+                <a:latin typeface="Calibri" panose="020F0502020204030204" pitchFamily="34" charset="0"/>
               </a:rPr>
-              <a:t>ypermedia </a:t>
-            </a:r>
-            <a:r>
-              <a:rPr lang="en-US" u="sng" dirty="0">
+              <a:t>Client-Server - Separation of Concerns</a:t>
+            </a:r>
+          </a:p>
+          <a:p>
+            <a:pPr>
+              <a:buFont typeface="Arial" panose="020B0604020202020204" pitchFamily="34" charset="0"/>
+              <a:buChar char="•"/>
+            </a:pPr>
+            <a:r>
+              <a:rPr lang="en-US" b="0" dirty="0">
                 <a:solidFill>
                   <a:srgbClr val="31668B"/>
                 </a:solidFill>
+                <a:latin typeface="Calibri" panose="020F0502020204030204" pitchFamily="34" charset="0"/>
               </a:rPr>
-              <a:t>a</a:t>
-            </a:r>
-            <a:r>
-              <a:rPr lang="en-US" dirty="0">
+              <a:t>Stateless - request from client to server must contain all of the information necessary to understand the request</a:t>
+            </a:r>
+          </a:p>
+          <a:p>
+            <a:pPr>
+              <a:buFont typeface="Arial" panose="020B0604020202020204" pitchFamily="34" charset="0"/>
+              <a:buChar char="•"/>
+            </a:pPr>
+            <a:r>
+              <a:rPr lang="en-US" b="0" dirty="0">
                 <a:solidFill>
                   <a:srgbClr val="31668B"/>
                 </a:solidFill>
+                <a:latin typeface="Calibri" panose="020F0502020204030204" pitchFamily="34" charset="0"/>
               </a:rPr>
-              <a:t>s </a:t>
-            </a:r>
-            <a:r>
-              <a:rPr lang="en-US" u="sng" dirty="0">
+              <a:t>Cache – data in response should be marked cacheable or non-cacheable</a:t>
+            </a:r>
+          </a:p>
+          <a:p>
+            <a:pPr>
+              <a:buFont typeface="Arial" panose="020B0604020202020204" pitchFamily="34" charset="0"/>
+              <a:buChar char="•"/>
+            </a:pPr>
+            <a:r>
+              <a:rPr lang="en-US" b="0" dirty="0">
                 <a:solidFill>
                   <a:srgbClr val="31668B"/>
                 </a:solidFill>
+                <a:latin typeface="Calibri" panose="020F0502020204030204" pitchFamily="34" charset="0"/>
               </a:rPr>
-              <a:t>t</a:t>
-            </a:r>
-            <a:r>
-              <a:rPr lang="en-US" dirty="0">
-                <a:solidFill>
-                  <a:srgbClr val="31668B"/>
-                </a:solidFill>
-              </a:rPr>
-              <a:t>he </a:t>
-            </a:r>
-            <a:r>
-              <a:rPr lang="en-US" u="sng" dirty="0">
-                <a:solidFill>
-                  <a:srgbClr val="31668B"/>
-                </a:solidFill>
-              </a:rPr>
-              <a:t>E</a:t>
-            </a:r>
-            <a:r>
-              <a:rPr lang="en-US" dirty="0">
-                <a:solidFill>
-                  <a:srgbClr val="31668B"/>
-                </a:solidFill>
-              </a:rPr>
-              <a:t>ngine </a:t>
-            </a:r>
-            <a:r>
-              <a:rPr lang="en-US" u="sng" dirty="0">
-                <a:solidFill>
-                  <a:srgbClr val="31668B"/>
-                </a:solidFill>
-              </a:rPr>
-              <a:t>o</a:t>
-            </a:r>
-            <a:r>
-              <a:rPr lang="en-US" dirty="0">
-                <a:solidFill>
-                  <a:srgbClr val="31668B"/>
-                </a:solidFill>
-              </a:rPr>
-              <a:t>f </a:t>
-            </a:r>
-            <a:r>
-              <a:rPr lang="en-US" u="sng" dirty="0">
-                <a:solidFill>
-                  <a:srgbClr val="31668B"/>
-                </a:solidFill>
-              </a:rPr>
-              <a:t>A</a:t>
-            </a:r>
-            <a:r>
-              <a:rPr lang="en-US" dirty="0">
-                <a:solidFill>
-                  <a:srgbClr val="31668B"/>
-                </a:solidFill>
-              </a:rPr>
-              <a:t>pplication </a:t>
-            </a:r>
-            <a:r>
-              <a:rPr lang="en-US" u="sng" dirty="0">
-                <a:solidFill>
-                  <a:srgbClr val="31668B"/>
-                </a:solidFill>
-              </a:rPr>
-              <a:t>S</a:t>
-            </a:r>
-            <a:r>
-              <a:rPr lang="en-US" dirty="0">
-                <a:solidFill>
-                  <a:srgbClr val="31668B"/>
-                </a:solidFill>
-              </a:rPr>
-              <a:t>tate</a:t>
-            </a:r>
-          </a:p>
-          <a:p>
-            <a:r>
-              <a:rPr lang="en-US" dirty="0">
-                <a:solidFill>
-                  <a:srgbClr val="31668B"/>
-                </a:solidFill>
-              </a:rPr>
-              <a:t>Constraint of the REST application architecture</a:t>
-            </a:r>
-          </a:p>
-          <a:p>
-            <a:r>
-              <a:rPr lang="en-US" dirty="0">
-                <a:solidFill>
-                  <a:srgbClr val="31668B"/>
-                </a:solidFill>
-              </a:rPr>
-              <a:t>Client interacts with a network application entirely through hypermedia provided dynamically by application servers</a:t>
-            </a:r>
+              <a:t>Layered System - Composed of hierarchical layers. knowledge of the system restricted to a single layer</a:t>
+            </a:r>
+          </a:p>
+          <a:p>
             <a:endParaRPr lang="en-US" dirty="0">
               <a:solidFill>
                 <a:srgbClr val="31668B"/>
@@ -6542,6 +9448,13 @@
     <a:masterClrMapping/>
   </p:clrMapOvr>
   <p:transition/>
+  <p:timing>
+    <p:tnLst>
+      <p:par>
+        <p:cTn id="1" dur="indefinite" restart="never" nodeType="tmRoot"/>
+      </p:par>
+    </p:tnLst>
+  </p:timing>
 </p:sld>
 </file>
 
@@ -8456,125 +11369,6 @@
 </file>
 
 <file path=customXml/item1.xml><?xml version="1.0" encoding="utf-8"?>
-<?mso-contentType ?>
-<SharedContentType xmlns="Microsoft.SharePoint.Taxonomy.ContentTypeSync" SourceId="e2c0cd2f-cd40-4e12-9eaa-d9296f5dc463" ContentTypeId="0x0101001EBD087C3133424A899E6470271AA16E" PreviousValue="false"/>
-</file>
-
-<file path=customXml/item2.xml><?xml version="1.0" encoding="utf-8"?>
-<ct:contentTypeSchema xmlns:ct="http://schemas.microsoft.com/office/2006/metadata/contentType" xmlns:ma="http://schemas.microsoft.com/office/2006/metadata/properties/metaAttributes" ct:_="" ma:_="" ma:contentTypeName="AIS Document" ma:contentTypeID="0x0101001EBD087C3133424A899E6470271AA16E00C2DA9E2EB613A244A92C4F77C701C9E5" ma:contentTypeVersion="6" ma:contentTypeDescription="" ma:contentTypeScope="" ma:versionID="804310a050016566f937941959fe7687">
-  <xsd:schema xmlns:xsd="http://www.w3.org/2001/XMLSchema" xmlns:xs="http://www.w3.org/2001/XMLSchema" xmlns:p="http://schemas.microsoft.com/office/2006/metadata/properties" targetNamespace="http://schemas.microsoft.com/office/2006/metadata/properties" ma:root="true" ma:fieldsID="c64490b4aec6201516c3a874156f37b2">
-    <xsd:element name="properties">
-      <xsd:complexType>
-        <xsd:sequence>
-          <xsd:element name="documentManagement">
-            <xsd:complexType>
-              <xsd:all/>
-            </xsd:complexType>
-          </xsd:element>
-        </xsd:sequence>
-      </xsd:complexType>
-    </xsd:element>
-  </xsd:schema>
-  <xsd:schema xmlns="http://schemas.openxmlformats.org/package/2006/metadata/core-properties" xmlns:xsd="http://www.w3.org/2001/XMLSchema" xmlns:xsi="http://www.w3.org/2001/XMLSchema-instance" xmlns:dc="http://purl.org/dc/elements/1.1/" xmlns:dcterms="http://purl.org/dc/terms/" xmlns:odoc="http://schemas.microsoft.com/internal/obd" targetNamespace="http://schemas.openxmlformats.org/package/2006/metadata/core-properties" elementFormDefault="qualified" attributeFormDefault="unqualified" blockDefault="#all">
-    <xsd:import namespace="http://purl.org/dc/elements/1.1/" schemaLocation="http://dublincore.org/schemas/xmls/qdc/2003/04/02/dc.xsd"/>
-    <xsd:import namespace="http://purl.org/dc/terms/" schemaLocation="http://dublincore.org/schemas/xmls/qdc/2003/04/02/dcterms.xsd"/>
-    <xsd:element name="coreProperties" type="CT_coreProperties"/>
-    <xsd:complexType name="CT_coreProperties">
-      <xsd:all>
-        <xsd:element ref="dc:creator" minOccurs="0" maxOccurs="1"/>
-        <xsd:element ref="dcterms:created" minOccurs="0" maxOccurs="1"/>
-        <xsd:element ref="dc:identifier" minOccurs="0" maxOccurs="1"/>
-        <xsd:element name="contentType" minOccurs="0" maxOccurs="1" type="xsd:string" ma:index="0" ma:displayName="Content Type"/>
-        <xsd:element ref="dc:title" minOccurs="0" maxOccurs="1" ma:index="4" ma:displayName="Title"/>
-        <xsd:element ref="dc:subject" minOccurs="0" maxOccurs="1"/>
-        <xsd:element ref="dc:description" minOccurs="0" maxOccurs="1"/>
-        <xsd:element name="keywords" minOccurs="0" maxOccurs="1" type="xsd:string"/>
-        <xsd:element ref="dc:language" minOccurs="0" maxOccurs="1"/>
-        <xsd:element name="category" minOccurs="0" maxOccurs="1" type="xsd:string"/>
-        <xsd:element name="version" minOccurs="0" maxOccurs="1" type="xsd:string"/>
-        <xsd:element name="revision" minOccurs="0" maxOccurs="1" type="xsd:string">
-          <xsd:annotation>
-            <xsd:documentation>
-                        This value indicates the number of saves or revisions. The application is responsible for updating this value after each revision.
-                    </xsd:documentation>
-          </xsd:annotation>
-        </xsd:element>
-        <xsd:element name="lastModifiedBy" minOccurs="0" maxOccurs="1" type="xsd:string"/>
-        <xsd:element ref="dcterms:modified" minOccurs="0" maxOccurs="1"/>
-        <xsd:element name="contentStatus" minOccurs="0" maxOccurs="1" type="xsd:string"/>
-      </xsd:all>
-    </xsd:complexType>
-  </xsd:schema>
-  <xs:schema xmlns:pc="http://schemas.microsoft.com/office/infopath/2007/PartnerControls" xmlns:xs="http://www.w3.org/2001/XMLSchema" targetNamespace="http://schemas.microsoft.com/office/infopath/2007/PartnerControls" elementFormDefault="qualified" attributeFormDefault="unqualified">
-    <xs:element name="Person">
-      <xs:complexType>
-        <xs:sequence>
-          <xs:element ref="pc:DisplayName" minOccurs="0"/>
-          <xs:element ref="pc:AccountId" minOccurs="0"/>
-          <xs:element ref="pc:AccountType" minOccurs="0"/>
-        </xs:sequence>
-      </xs:complexType>
-    </xs:element>
-    <xs:element name="DisplayName" type="xs:string"/>
-    <xs:element name="AccountId" type="xs:string"/>
-    <xs:element name="AccountType" type="xs:string"/>
-    <xs:element name="BDCAssociatedEntity">
-      <xs:complexType>
-        <xs:sequence>
-          <xs:element ref="pc:BDCEntity" minOccurs="0" maxOccurs="unbounded"/>
-        </xs:sequence>
-        <xs:attribute ref="pc:EntityNamespace"/>
-        <xs:attribute ref="pc:EntityName"/>
-        <xs:attribute ref="pc:SystemInstanceName"/>
-        <xs:attribute ref="pc:AssociationName"/>
-      </xs:complexType>
-    </xs:element>
-    <xs:attribute name="EntityNamespace" type="xs:string"/>
-    <xs:attribute name="EntityName" type="xs:string"/>
-    <xs:attribute name="SystemInstanceName" type="xs:string"/>
-    <xs:attribute name="AssociationName" type="xs:string"/>
-    <xs:element name="BDCEntity">
-      <xs:complexType>
-        <xs:sequence>
-          <xs:element ref="pc:EntityDisplayName" minOccurs="0"/>
-          <xs:element ref="pc:EntityInstanceReference" minOccurs="0"/>
-          <xs:element ref="pc:EntityId1" minOccurs="0"/>
-          <xs:element ref="pc:EntityId2" minOccurs="0"/>
-          <xs:element ref="pc:EntityId3" minOccurs="0"/>
-          <xs:element ref="pc:EntityId4" minOccurs="0"/>
-          <xs:element ref="pc:EntityId5" minOccurs="0"/>
-        </xs:sequence>
-      </xs:complexType>
-    </xs:element>
-    <xs:element name="EntityDisplayName" type="xs:string"/>
-    <xs:element name="EntityInstanceReference" type="xs:string"/>
-    <xs:element name="EntityId1" type="xs:string"/>
-    <xs:element name="EntityId2" type="xs:string"/>
-    <xs:element name="EntityId3" type="xs:string"/>
-    <xs:element name="EntityId4" type="xs:string"/>
-    <xs:element name="EntityId5" type="xs:string"/>
-    <xs:element name="Terms">
-      <xs:complexType>
-        <xs:sequence>
-          <xs:element ref="pc:TermInfo" minOccurs="0" maxOccurs="unbounded"/>
-        </xs:sequence>
-      </xs:complexType>
-    </xs:element>
-    <xs:element name="TermInfo">
-      <xs:complexType>
-        <xs:sequence>
-          <xs:element ref="pc:TermName" minOccurs="0"/>
-          <xs:element ref="pc:TermId" minOccurs="0"/>
-        </xs:sequence>
-      </xs:complexType>
-    </xs:element>
-    <xs:element name="TermName" type="xs:string"/>
-    <xs:element name="TermId" type="xs:string"/>
-  </xs:schema>
-</ct:contentTypeSchema>
-</file>
-
-<file path=customXml/item3.xml><?xml version="1.0" encoding="utf-8"?>
 <outs:outSpaceData xmlns:outs="http://schemas.microsoft.com/office/2009/outspace/metadata">
   <outs:relatedDates>
     <outs:relatedDate>
@@ -8736,7 +11530,136 @@
 </outs:outSpaceData>
 </file>
 
+<file path=customXml/item2.xml><?xml version="1.0" encoding="utf-8"?>
+<ct:contentTypeSchema xmlns:ct="http://schemas.microsoft.com/office/2006/metadata/contentType" xmlns:ma="http://schemas.microsoft.com/office/2006/metadata/properties/metaAttributes" ct:_="" ma:_="" ma:contentTypeName="AIS Document" ma:contentTypeID="0x0101001EBD087C3133424A899E6470271AA16E00C2DA9E2EB613A244A92C4F77C701C9E5" ma:contentTypeVersion="6" ma:contentTypeDescription="" ma:contentTypeScope="" ma:versionID="804310a050016566f937941959fe7687">
+  <xsd:schema xmlns:xsd="http://www.w3.org/2001/XMLSchema" xmlns:xs="http://www.w3.org/2001/XMLSchema" xmlns:p="http://schemas.microsoft.com/office/2006/metadata/properties" targetNamespace="http://schemas.microsoft.com/office/2006/metadata/properties" ma:root="true" ma:fieldsID="c64490b4aec6201516c3a874156f37b2">
+    <xsd:element name="properties">
+      <xsd:complexType>
+        <xsd:sequence>
+          <xsd:element name="documentManagement">
+            <xsd:complexType>
+              <xsd:all/>
+            </xsd:complexType>
+          </xsd:element>
+        </xsd:sequence>
+      </xsd:complexType>
+    </xsd:element>
+  </xsd:schema>
+  <xsd:schema xmlns="http://schemas.openxmlformats.org/package/2006/metadata/core-properties" xmlns:xsd="http://www.w3.org/2001/XMLSchema" xmlns:xsi="http://www.w3.org/2001/XMLSchema-instance" xmlns:dc="http://purl.org/dc/elements/1.1/" xmlns:dcterms="http://purl.org/dc/terms/" xmlns:odoc="http://schemas.microsoft.com/internal/obd" targetNamespace="http://schemas.openxmlformats.org/package/2006/metadata/core-properties" elementFormDefault="qualified" attributeFormDefault="unqualified" blockDefault="#all">
+    <xsd:import namespace="http://purl.org/dc/elements/1.1/" schemaLocation="http://dublincore.org/schemas/xmls/qdc/2003/04/02/dc.xsd"/>
+    <xsd:import namespace="http://purl.org/dc/terms/" schemaLocation="http://dublincore.org/schemas/xmls/qdc/2003/04/02/dcterms.xsd"/>
+    <xsd:element name="coreProperties" type="CT_coreProperties"/>
+    <xsd:complexType name="CT_coreProperties">
+      <xsd:all>
+        <xsd:element ref="dc:creator" minOccurs="0" maxOccurs="1"/>
+        <xsd:element ref="dcterms:created" minOccurs="0" maxOccurs="1"/>
+        <xsd:element ref="dc:identifier" minOccurs="0" maxOccurs="1"/>
+        <xsd:element name="contentType" minOccurs="0" maxOccurs="1" type="xsd:string" ma:index="0" ma:displayName="Content Type"/>
+        <xsd:element ref="dc:title" minOccurs="0" maxOccurs="1" ma:index="4" ma:displayName="Title"/>
+        <xsd:element ref="dc:subject" minOccurs="0" maxOccurs="1"/>
+        <xsd:element ref="dc:description" minOccurs="0" maxOccurs="1"/>
+        <xsd:element name="keywords" minOccurs="0" maxOccurs="1" type="xsd:string"/>
+        <xsd:element ref="dc:language" minOccurs="0" maxOccurs="1"/>
+        <xsd:element name="category" minOccurs="0" maxOccurs="1" type="xsd:string"/>
+        <xsd:element name="version" minOccurs="0" maxOccurs="1" type="xsd:string"/>
+        <xsd:element name="revision" minOccurs="0" maxOccurs="1" type="xsd:string">
+          <xsd:annotation>
+            <xsd:documentation>
+                        This value indicates the number of saves or revisions. The application is responsible for updating this value after each revision.
+                    </xsd:documentation>
+          </xsd:annotation>
+        </xsd:element>
+        <xsd:element name="lastModifiedBy" minOccurs="0" maxOccurs="1" type="xsd:string"/>
+        <xsd:element ref="dcterms:modified" minOccurs="0" maxOccurs="1"/>
+        <xsd:element name="contentStatus" minOccurs="0" maxOccurs="1" type="xsd:string"/>
+      </xsd:all>
+    </xsd:complexType>
+  </xsd:schema>
+  <xs:schema xmlns:pc="http://schemas.microsoft.com/office/infopath/2007/PartnerControls" xmlns:xs="http://www.w3.org/2001/XMLSchema" targetNamespace="http://schemas.microsoft.com/office/infopath/2007/PartnerControls" elementFormDefault="qualified" attributeFormDefault="unqualified">
+    <xs:element name="Person">
+      <xs:complexType>
+        <xs:sequence>
+          <xs:element ref="pc:DisplayName" minOccurs="0"/>
+          <xs:element ref="pc:AccountId" minOccurs="0"/>
+          <xs:element ref="pc:AccountType" minOccurs="0"/>
+        </xs:sequence>
+      </xs:complexType>
+    </xs:element>
+    <xs:element name="DisplayName" type="xs:string"/>
+    <xs:element name="AccountId" type="xs:string"/>
+    <xs:element name="AccountType" type="xs:string"/>
+    <xs:element name="BDCAssociatedEntity">
+      <xs:complexType>
+        <xs:sequence>
+          <xs:element ref="pc:BDCEntity" minOccurs="0" maxOccurs="unbounded"/>
+        </xs:sequence>
+        <xs:attribute ref="pc:EntityNamespace"/>
+        <xs:attribute ref="pc:EntityName"/>
+        <xs:attribute ref="pc:SystemInstanceName"/>
+        <xs:attribute ref="pc:AssociationName"/>
+      </xs:complexType>
+    </xs:element>
+    <xs:attribute name="EntityNamespace" type="xs:string"/>
+    <xs:attribute name="EntityName" type="xs:string"/>
+    <xs:attribute name="SystemInstanceName" type="xs:string"/>
+    <xs:attribute name="AssociationName" type="xs:string"/>
+    <xs:element name="BDCEntity">
+      <xs:complexType>
+        <xs:sequence>
+          <xs:element ref="pc:EntityDisplayName" minOccurs="0"/>
+          <xs:element ref="pc:EntityInstanceReference" minOccurs="0"/>
+          <xs:element ref="pc:EntityId1" minOccurs="0"/>
+          <xs:element ref="pc:EntityId2" minOccurs="0"/>
+          <xs:element ref="pc:EntityId3" minOccurs="0"/>
+          <xs:element ref="pc:EntityId4" minOccurs="0"/>
+          <xs:element ref="pc:EntityId5" minOccurs="0"/>
+        </xs:sequence>
+      </xs:complexType>
+    </xs:element>
+    <xs:element name="EntityDisplayName" type="xs:string"/>
+    <xs:element name="EntityInstanceReference" type="xs:string"/>
+    <xs:element name="EntityId1" type="xs:string"/>
+    <xs:element name="EntityId2" type="xs:string"/>
+    <xs:element name="EntityId3" type="xs:string"/>
+    <xs:element name="EntityId4" type="xs:string"/>
+    <xs:element name="EntityId5" type="xs:string"/>
+    <xs:element name="Terms">
+      <xs:complexType>
+        <xs:sequence>
+          <xs:element ref="pc:TermInfo" minOccurs="0" maxOccurs="unbounded"/>
+        </xs:sequence>
+      </xs:complexType>
+    </xs:element>
+    <xs:element name="TermInfo">
+      <xs:complexType>
+        <xs:sequence>
+          <xs:element ref="pc:TermName" minOccurs="0"/>
+          <xs:element ref="pc:TermId" minOccurs="0"/>
+        </xs:sequence>
+      </xs:complexType>
+    </xs:element>
+    <xs:element name="TermName" type="xs:string"/>
+    <xs:element name="TermId" type="xs:string"/>
+  </xs:schema>
+</ct:contentTypeSchema>
+</file>
+
+<file path=customXml/item3.xml><?xml version="1.0" encoding="utf-8"?>
+<?mso-contentType ?>
+<SharedContentType xmlns="Microsoft.SharePoint.Taxonomy.ContentTypeSync" SourceId="e2c0cd2f-cd40-4e12-9eaa-d9296f5dc463" ContentTypeId="0x0101001EBD087C3133424A899E6470271AA16E" PreviousValue="false"/>
+</file>
+
 <file path=customXml/item4.xml><?xml version="1.0" encoding="utf-8"?>
+<p:properties xmlns:p="http://schemas.microsoft.com/office/2006/metadata/properties" xmlns:xsi="http://www.w3.org/2001/XMLSchema-instance">
+  <documentManagement/>
+</p:properties>
+</file>
+
+<file path=customXml/item5.xml><?xml version="1.0" encoding="utf-8"?>
+<LongProperties xmlns="http://schemas.microsoft.com/office/2006/metadata/longProperties"/>
+</file>
+
+<file path=customXml/item6.xml><?xml version="1.0" encoding="utf-8"?>
 <?mso-contentType ?>
 <FormTemplates xmlns="http://schemas.microsoft.com/sharepoint/v3/contenttype/forms">
   <Display>DocumentLibraryForm</Display>
@@ -8745,20 +11668,10 @@
 </FormTemplates>
 </file>
 
-<file path=customXml/item5.xml><?xml version="1.0" encoding="utf-8"?>
-<LongProperties xmlns="http://schemas.microsoft.com/office/2006/metadata/longProperties"/>
-</file>
-
-<file path=customXml/item6.xml><?xml version="1.0" encoding="utf-8"?>
-<p:properties xmlns:p="http://schemas.microsoft.com/office/2006/metadata/properties" xmlns:xsi="http://www.w3.org/2001/XMLSchema-instance">
-  <documentManagement/>
-</p:properties>
-</file>
-
 <file path=customXml/itemProps1.xml><?xml version="1.0" encoding="utf-8"?>
-<ds:datastoreItem xmlns:ds="http://schemas.openxmlformats.org/officeDocument/2006/customXml" ds:itemID="{175C1D2D-50BE-4C14-B757-C76BB3744327}">
+<ds:datastoreItem xmlns:ds="http://schemas.openxmlformats.org/officeDocument/2006/customXml" ds:itemID="{43C09C79-9A9B-40AC-9AB0-18C21E8226AA}">
   <ds:schemaRefs>
-    <ds:schemaRef ds:uri="Microsoft.SharePoint.Taxonomy.ContentTypeSync"/>
+    <ds:schemaRef ds:uri="http://schemas.microsoft.com/office/2009/outspace/metadata"/>
   </ds:schemaRefs>
 </ds:datastoreItem>
 </file>
@@ -8780,17 +11693,24 @@
 </file>
 
 <file path=customXml/itemProps3.xml><?xml version="1.0" encoding="utf-8"?>
-<ds:datastoreItem xmlns:ds="http://schemas.openxmlformats.org/officeDocument/2006/customXml" ds:itemID="{43C09C79-9A9B-40AC-9AB0-18C21E8226AA}">
+<ds:datastoreItem xmlns:ds="http://schemas.openxmlformats.org/officeDocument/2006/customXml" ds:itemID="{175C1D2D-50BE-4C14-B757-C76BB3744327}">
   <ds:schemaRefs>
-    <ds:schemaRef ds:uri="http://schemas.microsoft.com/office/2009/outspace/metadata"/>
+    <ds:schemaRef ds:uri="Microsoft.SharePoint.Taxonomy.ContentTypeSync"/>
   </ds:schemaRefs>
 </ds:datastoreItem>
 </file>
 
 <file path=customXml/itemProps4.xml><?xml version="1.0" encoding="utf-8"?>
-<ds:datastoreItem xmlns:ds="http://schemas.openxmlformats.org/officeDocument/2006/customXml" ds:itemID="{36870CEA-11A3-4BD2-B1BD-102254715B09}">
+<ds:datastoreItem xmlns:ds="http://schemas.openxmlformats.org/officeDocument/2006/customXml" ds:itemID="{CEBA407E-4187-44B1-AB57-A840954D6C8B}">
   <ds:schemaRefs>
-    <ds:schemaRef ds:uri="http://schemas.microsoft.com/sharepoint/v3/contenttype/forms"/>
+    <ds:schemaRef ds:uri="http://purl.org/dc/elements/1.1/"/>
+    <ds:schemaRef ds:uri="http://schemas.microsoft.com/office/2006/metadata/properties"/>
+    <ds:schemaRef ds:uri="http://purl.org/dc/terms/"/>
+    <ds:schemaRef ds:uri="http://schemas.openxmlformats.org/package/2006/metadata/core-properties"/>
+    <ds:schemaRef ds:uri="http://schemas.microsoft.com/office/2006/documentManagement/types"/>
+    <ds:schemaRef ds:uri="http://schemas.microsoft.com/office/infopath/2007/PartnerControls"/>
+    <ds:schemaRef ds:uri="http://www.w3.org/XML/1998/namespace"/>
+    <ds:schemaRef ds:uri="http://purl.org/dc/dcmitype/"/>
   </ds:schemaRefs>
 </ds:datastoreItem>
 </file>
@@ -8804,16 +11724,9 @@
 </file>
 
 <file path=customXml/itemProps6.xml><?xml version="1.0" encoding="utf-8"?>
-<ds:datastoreItem xmlns:ds="http://schemas.openxmlformats.org/officeDocument/2006/customXml" ds:itemID="{CEBA407E-4187-44B1-AB57-A840954D6C8B}">
+<ds:datastoreItem xmlns:ds="http://schemas.openxmlformats.org/officeDocument/2006/customXml" ds:itemID="{36870CEA-11A3-4BD2-B1BD-102254715B09}">
   <ds:schemaRefs>
-    <ds:schemaRef ds:uri="http://purl.org/dc/elements/1.1/"/>
-    <ds:schemaRef ds:uri="http://schemas.microsoft.com/office/2006/metadata/properties"/>
-    <ds:schemaRef ds:uri="http://purl.org/dc/terms/"/>
-    <ds:schemaRef ds:uri="http://schemas.openxmlformats.org/package/2006/metadata/core-properties"/>
-    <ds:schemaRef ds:uri="http://schemas.microsoft.com/office/2006/documentManagement/types"/>
-    <ds:schemaRef ds:uri="http://schemas.microsoft.com/office/infopath/2007/PartnerControls"/>
-    <ds:schemaRef ds:uri="http://www.w3.org/XML/1998/namespace"/>
-    <ds:schemaRef ds:uri="http://purl.org/dc/dcmitype/"/>
+    <ds:schemaRef ds:uri="http://schemas.microsoft.com/sharepoint/v3/contenttype/forms"/>
   </ds:schemaRefs>
 </ds:datastoreItem>
 </file>